--- a/doc/Bigdataproposal.pptx
+++ b/doc/Bigdataproposal.pptx
@@ -6295,8 +6295,8 @@
         <a:lstStyle/>
         <a:p>
           <a:r>
-            <a:rPr lang="en-US"/>
-            <a:t>Past few years youTube has become quiet popular</a:t>
+            <a:rPr lang="en-US" dirty="0"/>
+            <a:t>YouTube is the number one video sharing site on the internet.</a:t>
           </a:r>
         </a:p>
       </dgm:t>
@@ -6331,8 +6331,8 @@
         <a:lstStyle/>
         <a:p>
           <a:r>
-            <a:rPr lang="en-US"/>
-            <a:t>Millions of visits per day</a:t>
+            <a:rPr lang="en-US" dirty="0"/>
+            <a:t>Over 1 Billion unique visitors each month.</a:t>
           </a:r>
         </a:p>
       </dgm:t>
@@ -6367,8 +6367,8 @@
         <a:lstStyle/>
         <a:p>
           <a:r>
-            <a:rPr lang="en-US"/>
-            <a:t>Huge web crawl dataset</a:t>
+            <a:rPr lang="en-US" dirty="0"/>
+            <a:t>Big audience means big data</a:t>
           </a:r>
         </a:p>
       </dgm:t>
@@ -6403,8 +6403,8 @@
         <a:lstStyle/>
         <a:p>
           <a:r>
-            <a:rPr lang="en-US"/>
-            <a:t>Lot of analytics can be done which makes it easier to find and discover great video content</a:t>
+            <a:rPr lang="en-US" dirty="0"/>
+            <a:t>Huge opportunity to improve the recommendation engine to increase viewing time.</a:t>
           </a:r>
         </a:p>
       </dgm:t>
@@ -6439,8 +6439,8 @@
         <a:lstStyle/>
         <a:p>
           <a:r>
-            <a:rPr lang="en-US"/>
-            <a:t>Accelerate research on large scale video understanding</a:t>
+            <a:rPr lang="en-US" dirty="0"/>
+            <a:t>The PageRank algorithm can be applied to YouTube videos to determine the highest quality videos.</a:t>
           </a:r>
         </a:p>
       </dgm:t>
@@ -6800,7 +6800,7 @@
         <a:p>
           <a:r>
             <a:rPr lang="en-US" sz="2000" dirty="0"/>
-            <a:t>Search YouTube Data</a:t>
+            <a:t>Search Analytics</a:t>
           </a:r>
         </a:p>
       </dgm:t>
@@ -6839,7 +6839,7 @@
         <a:p>
           <a:r>
             <a:rPr lang="en-US" sz="2000" dirty="0"/>
-            <a:t>Airline data Analysis</a:t>
+            <a:t>Air Traffic Analytics</a:t>
           </a:r>
         </a:p>
       </dgm:t>
@@ -6860,7 +6860,7 @@
         <a:p>
           <a:r>
             <a:rPr lang="en-US" sz="2000" dirty="0"/>
-            <a:t>Weather data Analysis</a:t>
+            <a:t>Weather Analytics</a:t>
           </a:r>
         </a:p>
       </dgm:t>
@@ -6892,7 +6892,7 @@
         <a:p>
           <a:r>
             <a:rPr lang="en-US" sz="2000" dirty="0"/>
-            <a:t>Sentiment Analysis on Twitter</a:t>
+            <a:t>Twitter Sentiment Analysis</a:t>
           </a:r>
         </a:p>
       </dgm:t>
@@ -6913,7 +6913,7 @@
         <a:p>
           <a:r>
             <a:rPr lang="en-US" sz="2000" dirty="0"/>
-            <a:t>Analyzing Stock Market data</a:t>
+            <a:t>Stock Market Analytics</a:t>
           </a:r>
         </a:p>
       </dgm:t>
@@ -6945,7 +6945,7 @@
         <a:p>
           <a:r>
             <a:rPr lang="en-US" sz="2000" dirty="0"/>
-            <a:t>Movies dataset Analysis on IMDB</a:t>
+            <a:t>IMDb Data Analytics </a:t>
           </a:r>
         </a:p>
       </dgm:t>
@@ -9316,7 +9316,7 @@
         </a:bodyPr>
         <a:lstStyle/>
         <a:p>
-          <a:pPr marL="0" lvl="0" indent="0" algn="l" defTabSz="844550">
+          <a:pPr marL="0" lvl="0" indent="0" algn="l" defTabSz="755650">
             <a:lnSpc>
               <a:spcPct val="90000"/>
             </a:lnSpc>
@@ -9329,8 +9329,8 @@
             <a:buNone/>
           </a:pPr>
           <a:r>
-            <a:rPr lang="en-US" sz="1900" kern="1200"/>
-            <a:t>Past few years youTube has become quiet popular</a:t>
+            <a:rPr lang="en-US" sz="1700" kern="1200" dirty="0"/>
+            <a:t>YouTube is the number one video sharing site on the internet.</a:t>
           </a:r>
         </a:p>
       </dsp:txBody>
@@ -9474,7 +9474,7 @@
         </a:bodyPr>
         <a:lstStyle/>
         <a:p>
-          <a:pPr marL="0" lvl="0" indent="0" algn="l" defTabSz="844550">
+          <a:pPr marL="0" lvl="0" indent="0" algn="l" defTabSz="755650">
             <a:lnSpc>
               <a:spcPct val="90000"/>
             </a:lnSpc>
@@ -9487,8 +9487,8 @@
             <a:buNone/>
           </a:pPr>
           <a:r>
-            <a:rPr lang="en-US" sz="1900" kern="1200"/>
-            <a:t>Millions of visits per day</a:t>
+            <a:rPr lang="en-US" sz="1700" kern="1200" dirty="0"/>
+            <a:t>Over 1 Billion unique visitors each month.</a:t>
           </a:r>
         </a:p>
       </dsp:txBody>
@@ -9632,7 +9632,7 @@
         </a:bodyPr>
         <a:lstStyle/>
         <a:p>
-          <a:pPr marL="0" lvl="0" indent="0" algn="l" defTabSz="844550">
+          <a:pPr marL="0" lvl="0" indent="0" algn="l" defTabSz="755650">
             <a:lnSpc>
               <a:spcPct val="90000"/>
             </a:lnSpc>
@@ -9645,8 +9645,8 @@
             <a:buNone/>
           </a:pPr>
           <a:r>
-            <a:rPr lang="en-US" sz="1900" kern="1200"/>
-            <a:t>Huge web crawl dataset</a:t>
+            <a:rPr lang="en-US" sz="1700" kern="1200" dirty="0"/>
+            <a:t>Big audience means big data</a:t>
           </a:r>
         </a:p>
       </dsp:txBody>
@@ -9790,7 +9790,7 @@
         </a:bodyPr>
         <a:lstStyle/>
         <a:p>
-          <a:pPr marL="0" lvl="0" indent="0" algn="l" defTabSz="844550">
+          <a:pPr marL="0" lvl="0" indent="0" algn="l" defTabSz="755650">
             <a:lnSpc>
               <a:spcPct val="90000"/>
             </a:lnSpc>
@@ -9803,8 +9803,8 @@
             <a:buNone/>
           </a:pPr>
           <a:r>
-            <a:rPr lang="en-US" sz="1900" kern="1200"/>
-            <a:t>Lot of analytics can be done which makes it easier to find and discover great video content</a:t>
+            <a:rPr lang="en-US" sz="1700" kern="1200" dirty="0"/>
+            <a:t>Huge opportunity to improve the recommendation engine to increase viewing time.</a:t>
           </a:r>
         </a:p>
       </dsp:txBody>
@@ -9948,7 +9948,7 @@
         </a:bodyPr>
         <a:lstStyle/>
         <a:p>
-          <a:pPr marL="0" lvl="0" indent="0" algn="l" defTabSz="844550">
+          <a:pPr marL="0" lvl="0" indent="0" algn="l" defTabSz="755650">
             <a:lnSpc>
               <a:spcPct val="90000"/>
             </a:lnSpc>
@@ -9961,8 +9961,8 @@
             <a:buNone/>
           </a:pPr>
           <a:r>
-            <a:rPr lang="en-US" sz="1900" kern="1200"/>
-            <a:t>Accelerate research on large scale video understanding</a:t>
+            <a:rPr lang="en-US" sz="1700" kern="1200" dirty="0"/>
+            <a:t>The PageRank algorithm can be applied to YouTube videos to determine the highest quality videos.</a:t>
           </a:r>
         </a:p>
       </dsp:txBody>
@@ -10052,7 +10052,7 @@
           </a:pPr>
           <a:r>
             <a:rPr lang="en-US" sz="2000" kern="1200" dirty="0"/>
-            <a:t>Search YouTube Data</a:t>
+            <a:t>Search Analytics</a:t>
           </a:r>
         </a:p>
       </dsp:txBody>
@@ -10168,7 +10168,7 @@
           </a:pPr>
           <a:r>
             <a:rPr lang="en-US" sz="2000" kern="1200" dirty="0"/>
-            <a:t>Airline data Analysis</a:t>
+            <a:t>Air Traffic Analytics</a:t>
           </a:r>
         </a:p>
       </dsp:txBody>
@@ -10246,7 +10246,7 @@
           </a:pPr>
           <a:r>
             <a:rPr lang="en-US" sz="2000" kern="1200" dirty="0"/>
-            <a:t>Weather data Analysis</a:t>
+            <a:t>Weather Analytics</a:t>
           </a:r>
         </a:p>
       </dsp:txBody>
@@ -10356,7 +10356,7 @@
           </a:pPr>
           <a:r>
             <a:rPr lang="en-US" sz="2000" kern="1200" dirty="0"/>
-            <a:t>Sentiment Analysis on Twitter</a:t>
+            <a:t>Twitter Sentiment Analysis</a:t>
           </a:r>
         </a:p>
       </dsp:txBody>
@@ -10434,7 +10434,7 @@
           </a:pPr>
           <a:r>
             <a:rPr lang="en-US" sz="2000" kern="1200" dirty="0"/>
-            <a:t>Analyzing Stock Market data</a:t>
+            <a:t>Stock Market Analytics</a:t>
           </a:r>
         </a:p>
       </dsp:txBody>
@@ -10544,7 +10544,7 @@
           </a:pPr>
           <a:r>
             <a:rPr lang="en-US" sz="2000" kern="1200" dirty="0"/>
-            <a:t>Movies dataset Analysis on IMDB</a:t>
+            <a:t>IMDb Data Analytics </a:t>
           </a:r>
         </a:p>
       </dsp:txBody>
@@ -36018,7 +36018,7 @@
             <p:ph idx="1"/>
             <p:extLst>
               <p:ext uri="{D42A27DB-BD31-4B8C-83A1-F6EECF244321}">
-                <p14:modId xmlns:p14="http://schemas.microsoft.com/office/powerpoint/2010/main" val="1547009996"/>
+                <p14:modId xmlns:p14="http://schemas.microsoft.com/office/powerpoint/2010/main" val="3287305773"/>
               </p:ext>
             </p:extLst>
           </p:nvPr>
@@ -36111,7 +36111,7 @@
           <p:nvPr>
             <p:extLst>
               <p:ext uri="{D42A27DB-BD31-4B8C-83A1-F6EECF244321}">
-                <p14:modId xmlns:p14="http://schemas.microsoft.com/office/powerpoint/2010/main" val="1092976216"/>
+                <p14:modId xmlns:p14="http://schemas.microsoft.com/office/powerpoint/2010/main" val="3695335564"/>
               </p:ext>
             </p:extLst>
           </p:nvPr>

--- a/doc/Bigdataproposal.pptx
+++ b/doc/Bigdataproposal.pptx
@@ -3150,753 +3150,6 @@
 </file>
 
 <file path=ppt/diagrams/colors5.xml><?xml version="1.0" encoding="utf-8"?>
-<dgm:colorsDef xmlns:dgm="http://schemas.openxmlformats.org/drawingml/2006/diagram" xmlns:a="http://schemas.openxmlformats.org/drawingml/2006/main" uniqueId="urn:microsoft.com/office/officeart/2005/8/colors/accent1_2">
-  <dgm:title val=""/>
-  <dgm:desc val=""/>
-  <dgm:catLst>
-    <dgm:cat type="accent1" pri="11200"/>
-  </dgm:catLst>
-  <dgm:styleLbl name="node0">
-    <dgm:fillClrLst meth="repeat">
-      <a:schemeClr val="accent1"/>
-    </dgm:fillClrLst>
-    <dgm:linClrLst meth="repeat">
-      <a:schemeClr val="lt1"/>
-    </dgm:linClrLst>
-    <dgm:effectClrLst/>
-    <dgm:txLinClrLst/>
-    <dgm:txFillClrLst/>
-    <dgm:txEffectClrLst/>
-  </dgm:styleLbl>
-  <dgm:styleLbl name="alignNode1">
-    <dgm:fillClrLst meth="repeat">
-      <a:schemeClr val="accent1"/>
-    </dgm:fillClrLst>
-    <dgm:linClrLst meth="repeat">
-      <a:schemeClr val="accent1"/>
-    </dgm:linClrLst>
-    <dgm:effectClrLst/>
-    <dgm:txLinClrLst/>
-    <dgm:txFillClrLst/>
-    <dgm:txEffectClrLst/>
-  </dgm:styleLbl>
-  <dgm:styleLbl name="node1">
-    <dgm:fillClrLst meth="repeat">
-      <a:schemeClr val="accent1"/>
-    </dgm:fillClrLst>
-    <dgm:linClrLst meth="repeat">
-      <a:schemeClr val="lt1"/>
-    </dgm:linClrLst>
-    <dgm:effectClrLst/>
-    <dgm:txLinClrLst/>
-    <dgm:txFillClrLst/>
-    <dgm:txEffectClrLst/>
-  </dgm:styleLbl>
-  <dgm:styleLbl name="lnNode1">
-    <dgm:fillClrLst meth="repeat">
-      <a:schemeClr val="accent1"/>
-    </dgm:fillClrLst>
-    <dgm:linClrLst meth="repeat">
-      <a:schemeClr val="lt1"/>
-    </dgm:linClrLst>
-    <dgm:effectClrLst/>
-    <dgm:txLinClrLst/>
-    <dgm:txFillClrLst/>
-    <dgm:txEffectClrLst/>
-  </dgm:styleLbl>
-  <dgm:styleLbl name="vennNode1">
-    <dgm:fillClrLst meth="repeat">
-      <a:schemeClr val="accent1">
-        <a:alpha val="50000"/>
-      </a:schemeClr>
-    </dgm:fillClrLst>
-    <dgm:linClrLst meth="repeat">
-      <a:schemeClr val="lt1"/>
-    </dgm:linClrLst>
-    <dgm:effectClrLst/>
-    <dgm:txLinClrLst/>
-    <dgm:txFillClrLst/>
-    <dgm:txEffectClrLst/>
-  </dgm:styleLbl>
-  <dgm:styleLbl name="node2">
-    <dgm:fillClrLst meth="repeat">
-      <a:schemeClr val="accent1"/>
-    </dgm:fillClrLst>
-    <dgm:linClrLst meth="repeat">
-      <a:schemeClr val="lt1"/>
-    </dgm:linClrLst>
-    <dgm:effectClrLst/>
-    <dgm:txLinClrLst/>
-    <dgm:txFillClrLst/>
-    <dgm:txEffectClrLst/>
-  </dgm:styleLbl>
-  <dgm:styleLbl name="node3">
-    <dgm:fillClrLst meth="repeat">
-      <a:schemeClr val="accent1"/>
-    </dgm:fillClrLst>
-    <dgm:linClrLst meth="repeat">
-      <a:schemeClr val="lt1"/>
-    </dgm:linClrLst>
-    <dgm:effectClrLst/>
-    <dgm:txLinClrLst/>
-    <dgm:txFillClrLst/>
-    <dgm:txEffectClrLst/>
-  </dgm:styleLbl>
-  <dgm:styleLbl name="node4">
-    <dgm:fillClrLst meth="repeat">
-      <a:schemeClr val="accent1"/>
-    </dgm:fillClrLst>
-    <dgm:linClrLst meth="repeat">
-      <a:schemeClr val="lt1"/>
-    </dgm:linClrLst>
-    <dgm:effectClrLst/>
-    <dgm:txLinClrLst/>
-    <dgm:txFillClrLst/>
-    <dgm:txEffectClrLst/>
-  </dgm:styleLbl>
-  <dgm:styleLbl name="fgImgPlace1">
-    <dgm:fillClrLst meth="repeat">
-      <a:schemeClr val="accent1">
-        <a:tint val="50000"/>
-      </a:schemeClr>
-    </dgm:fillClrLst>
-    <dgm:linClrLst meth="repeat">
-      <a:schemeClr val="lt1"/>
-    </dgm:linClrLst>
-    <dgm:effectClrLst/>
-    <dgm:txLinClrLst/>
-    <dgm:txFillClrLst meth="repeat">
-      <a:schemeClr val="lt1"/>
-    </dgm:txFillClrLst>
-    <dgm:txEffectClrLst/>
-  </dgm:styleLbl>
-  <dgm:styleLbl name="alignImgPlace1">
-    <dgm:fillClrLst meth="repeat">
-      <a:schemeClr val="accent1">
-        <a:tint val="50000"/>
-      </a:schemeClr>
-    </dgm:fillClrLst>
-    <dgm:linClrLst meth="repeat">
-      <a:schemeClr val="lt1"/>
-    </dgm:linClrLst>
-    <dgm:effectClrLst/>
-    <dgm:txLinClrLst/>
-    <dgm:txFillClrLst meth="repeat">
-      <a:schemeClr val="lt1"/>
-    </dgm:txFillClrLst>
-    <dgm:txEffectClrLst/>
-  </dgm:styleLbl>
-  <dgm:styleLbl name="bgImgPlace1">
-    <dgm:fillClrLst meth="repeat">
-      <a:schemeClr val="accent1">
-        <a:tint val="50000"/>
-      </a:schemeClr>
-    </dgm:fillClrLst>
-    <dgm:linClrLst meth="repeat">
-      <a:schemeClr val="lt1"/>
-    </dgm:linClrLst>
-    <dgm:effectClrLst/>
-    <dgm:txLinClrLst/>
-    <dgm:txFillClrLst meth="repeat">
-      <a:schemeClr val="lt1"/>
-    </dgm:txFillClrLst>
-    <dgm:txEffectClrLst/>
-  </dgm:styleLbl>
-  <dgm:styleLbl name="sibTrans2D1">
-    <dgm:fillClrLst meth="repeat">
-      <a:schemeClr val="accent1">
-        <a:tint val="60000"/>
-      </a:schemeClr>
-    </dgm:fillClrLst>
-    <dgm:linClrLst meth="repeat">
-      <a:schemeClr val="accent1">
-        <a:tint val="60000"/>
-      </a:schemeClr>
-    </dgm:linClrLst>
-    <dgm:effectClrLst/>
-    <dgm:txLinClrLst/>
-    <dgm:txFillClrLst/>
-    <dgm:txEffectClrLst/>
-  </dgm:styleLbl>
-  <dgm:styleLbl name="fgSibTrans2D1">
-    <dgm:fillClrLst meth="repeat">
-      <a:schemeClr val="accent1">
-        <a:tint val="60000"/>
-      </a:schemeClr>
-    </dgm:fillClrLst>
-    <dgm:linClrLst meth="repeat">
-      <a:schemeClr val="accent1">
-        <a:tint val="60000"/>
-      </a:schemeClr>
-    </dgm:linClrLst>
-    <dgm:effectClrLst/>
-    <dgm:txLinClrLst/>
-    <dgm:txFillClrLst/>
-    <dgm:txEffectClrLst/>
-  </dgm:styleLbl>
-  <dgm:styleLbl name="bgSibTrans2D1">
-    <dgm:fillClrLst meth="repeat">
-      <a:schemeClr val="accent1">
-        <a:tint val="60000"/>
-      </a:schemeClr>
-    </dgm:fillClrLst>
-    <dgm:linClrLst meth="repeat">
-      <a:schemeClr val="accent1">
-        <a:tint val="60000"/>
-      </a:schemeClr>
-    </dgm:linClrLst>
-    <dgm:effectClrLst/>
-    <dgm:txLinClrLst/>
-    <dgm:txFillClrLst/>
-    <dgm:txEffectClrLst/>
-  </dgm:styleLbl>
-  <dgm:styleLbl name="sibTrans1D1">
-    <dgm:fillClrLst meth="repeat">
-      <a:schemeClr val="accent1"/>
-    </dgm:fillClrLst>
-    <dgm:linClrLst meth="repeat">
-      <a:schemeClr val="accent1"/>
-    </dgm:linClrLst>
-    <dgm:effectClrLst/>
-    <dgm:txLinClrLst/>
-    <dgm:txFillClrLst meth="repeat">
-      <a:schemeClr val="tx1"/>
-    </dgm:txFillClrLst>
-    <dgm:txEffectClrLst/>
-  </dgm:styleLbl>
-  <dgm:styleLbl name="callout">
-    <dgm:fillClrLst meth="repeat">
-      <a:schemeClr val="accent1"/>
-    </dgm:fillClrLst>
-    <dgm:linClrLst meth="repeat">
-      <a:schemeClr val="accent1">
-        <a:tint val="50000"/>
-      </a:schemeClr>
-    </dgm:linClrLst>
-    <dgm:effectClrLst/>
-    <dgm:txLinClrLst/>
-    <dgm:txFillClrLst meth="repeat">
-      <a:schemeClr val="tx1"/>
-    </dgm:txFillClrLst>
-    <dgm:txEffectClrLst/>
-  </dgm:styleLbl>
-  <dgm:styleLbl name="asst0">
-    <dgm:fillClrLst meth="repeat">
-      <a:schemeClr val="accent1"/>
-    </dgm:fillClrLst>
-    <dgm:linClrLst meth="repeat">
-      <a:schemeClr val="lt1"/>
-    </dgm:linClrLst>
-    <dgm:effectClrLst/>
-    <dgm:txLinClrLst/>
-    <dgm:txFillClrLst/>
-    <dgm:txEffectClrLst/>
-  </dgm:styleLbl>
-  <dgm:styleLbl name="asst1">
-    <dgm:fillClrLst meth="repeat">
-      <a:schemeClr val="accent1"/>
-    </dgm:fillClrLst>
-    <dgm:linClrLst meth="repeat">
-      <a:schemeClr val="lt1"/>
-    </dgm:linClrLst>
-    <dgm:effectClrLst/>
-    <dgm:txLinClrLst/>
-    <dgm:txFillClrLst/>
-    <dgm:txEffectClrLst/>
-  </dgm:styleLbl>
-  <dgm:styleLbl name="asst2">
-    <dgm:fillClrLst meth="repeat">
-      <a:schemeClr val="accent1"/>
-    </dgm:fillClrLst>
-    <dgm:linClrLst meth="repeat">
-      <a:schemeClr val="lt1"/>
-    </dgm:linClrLst>
-    <dgm:effectClrLst/>
-    <dgm:txLinClrLst/>
-    <dgm:txFillClrLst/>
-    <dgm:txEffectClrLst/>
-  </dgm:styleLbl>
-  <dgm:styleLbl name="asst3">
-    <dgm:fillClrLst meth="repeat">
-      <a:schemeClr val="accent1"/>
-    </dgm:fillClrLst>
-    <dgm:linClrLst meth="repeat">
-      <a:schemeClr val="lt1"/>
-    </dgm:linClrLst>
-    <dgm:effectClrLst/>
-    <dgm:txLinClrLst/>
-    <dgm:txFillClrLst/>
-    <dgm:txEffectClrLst/>
-  </dgm:styleLbl>
-  <dgm:styleLbl name="asst4">
-    <dgm:fillClrLst meth="repeat">
-      <a:schemeClr val="accent1"/>
-    </dgm:fillClrLst>
-    <dgm:linClrLst meth="repeat">
-      <a:schemeClr val="lt1"/>
-    </dgm:linClrLst>
-    <dgm:effectClrLst/>
-    <dgm:txLinClrLst/>
-    <dgm:txFillClrLst/>
-    <dgm:txEffectClrLst/>
-  </dgm:styleLbl>
-  <dgm:styleLbl name="parChTrans2D1">
-    <dgm:fillClrLst meth="repeat">
-      <a:schemeClr val="accent1">
-        <a:tint val="60000"/>
-      </a:schemeClr>
-    </dgm:fillClrLst>
-    <dgm:linClrLst meth="repeat">
-      <a:schemeClr val="accent1">
-        <a:tint val="60000"/>
-      </a:schemeClr>
-    </dgm:linClrLst>
-    <dgm:effectClrLst/>
-    <dgm:txLinClrLst/>
-    <dgm:txFillClrLst meth="repeat">
-      <a:schemeClr val="lt1"/>
-    </dgm:txFillClrLst>
-    <dgm:txEffectClrLst/>
-  </dgm:styleLbl>
-  <dgm:styleLbl name="parChTrans2D2">
-    <dgm:fillClrLst meth="repeat">
-      <a:schemeClr val="accent1"/>
-    </dgm:fillClrLst>
-    <dgm:linClrLst meth="repeat">
-      <a:schemeClr val="accent1"/>
-    </dgm:linClrLst>
-    <dgm:effectClrLst/>
-    <dgm:txLinClrLst/>
-    <dgm:txFillClrLst meth="repeat">
-      <a:schemeClr val="lt1"/>
-    </dgm:txFillClrLst>
-    <dgm:txEffectClrLst/>
-  </dgm:styleLbl>
-  <dgm:styleLbl name="parChTrans2D3">
-    <dgm:fillClrLst meth="repeat">
-      <a:schemeClr val="accent1"/>
-    </dgm:fillClrLst>
-    <dgm:linClrLst meth="repeat">
-      <a:schemeClr val="accent1"/>
-    </dgm:linClrLst>
-    <dgm:effectClrLst/>
-    <dgm:txLinClrLst/>
-    <dgm:txFillClrLst meth="repeat">
-      <a:schemeClr val="lt1"/>
-    </dgm:txFillClrLst>
-    <dgm:txEffectClrLst/>
-  </dgm:styleLbl>
-  <dgm:styleLbl name="parChTrans2D4">
-    <dgm:fillClrLst meth="repeat">
-      <a:schemeClr val="accent1"/>
-    </dgm:fillClrLst>
-    <dgm:linClrLst meth="repeat">
-      <a:schemeClr val="accent1"/>
-    </dgm:linClrLst>
-    <dgm:effectClrLst/>
-    <dgm:txLinClrLst/>
-    <dgm:txFillClrLst meth="repeat">
-      <a:schemeClr val="lt1"/>
-    </dgm:txFillClrLst>
-    <dgm:txEffectClrLst/>
-  </dgm:styleLbl>
-  <dgm:styleLbl name="parChTrans1D1">
-    <dgm:fillClrLst meth="repeat">
-      <a:schemeClr val="accent1"/>
-    </dgm:fillClrLst>
-    <dgm:linClrLst meth="repeat">
-      <a:schemeClr val="accent1">
-        <a:shade val="60000"/>
-      </a:schemeClr>
-    </dgm:linClrLst>
-    <dgm:effectClrLst/>
-    <dgm:txLinClrLst/>
-    <dgm:txFillClrLst meth="repeat">
-      <a:schemeClr val="tx1"/>
-    </dgm:txFillClrLst>
-    <dgm:txEffectClrLst/>
-  </dgm:styleLbl>
-  <dgm:styleLbl name="parChTrans1D2">
-    <dgm:fillClrLst meth="repeat">
-      <a:schemeClr val="accent1"/>
-    </dgm:fillClrLst>
-    <dgm:linClrLst meth="repeat">
-      <a:schemeClr val="accent1">
-        <a:shade val="60000"/>
-      </a:schemeClr>
-    </dgm:linClrLst>
-    <dgm:effectClrLst/>
-    <dgm:txLinClrLst/>
-    <dgm:txFillClrLst meth="repeat">
-      <a:schemeClr val="tx1"/>
-    </dgm:txFillClrLst>
-    <dgm:txEffectClrLst/>
-  </dgm:styleLbl>
-  <dgm:styleLbl name="parChTrans1D3">
-    <dgm:fillClrLst meth="repeat">
-      <a:schemeClr val="accent1"/>
-    </dgm:fillClrLst>
-    <dgm:linClrLst meth="repeat">
-      <a:schemeClr val="accent1">
-        <a:shade val="80000"/>
-      </a:schemeClr>
-    </dgm:linClrLst>
-    <dgm:effectClrLst/>
-    <dgm:txLinClrLst/>
-    <dgm:txFillClrLst meth="repeat">
-      <a:schemeClr val="tx1"/>
-    </dgm:txFillClrLst>
-    <dgm:txEffectClrLst/>
-  </dgm:styleLbl>
-  <dgm:styleLbl name="parChTrans1D4">
-    <dgm:fillClrLst meth="repeat">
-      <a:schemeClr val="accent1"/>
-    </dgm:fillClrLst>
-    <dgm:linClrLst meth="repeat">
-      <a:schemeClr val="accent1">
-        <a:shade val="80000"/>
-      </a:schemeClr>
-    </dgm:linClrLst>
-    <dgm:effectClrLst/>
-    <dgm:txLinClrLst/>
-    <dgm:txFillClrLst meth="repeat">
-      <a:schemeClr val="tx1"/>
-    </dgm:txFillClrLst>
-    <dgm:txEffectClrLst/>
-  </dgm:styleLbl>
-  <dgm:styleLbl name="fgAcc1">
-    <dgm:fillClrLst meth="repeat">
-      <a:schemeClr val="lt1">
-        <a:alpha val="90000"/>
-      </a:schemeClr>
-    </dgm:fillClrLst>
-    <dgm:linClrLst meth="repeat">
-      <a:schemeClr val="accent1"/>
-    </dgm:linClrLst>
-    <dgm:effectClrLst/>
-    <dgm:txLinClrLst/>
-    <dgm:txFillClrLst meth="repeat">
-      <a:schemeClr val="dk1"/>
-    </dgm:txFillClrLst>
-    <dgm:txEffectClrLst/>
-  </dgm:styleLbl>
-  <dgm:styleLbl name="conFgAcc1">
-    <dgm:fillClrLst meth="repeat">
-      <a:schemeClr val="lt1">
-        <a:alpha val="90000"/>
-      </a:schemeClr>
-    </dgm:fillClrLst>
-    <dgm:linClrLst meth="repeat">
-      <a:schemeClr val="accent1"/>
-    </dgm:linClrLst>
-    <dgm:effectClrLst/>
-    <dgm:txLinClrLst/>
-    <dgm:txFillClrLst meth="repeat">
-      <a:schemeClr val="dk1"/>
-    </dgm:txFillClrLst>
-    <dgm:txEffectClrLst/>
-  </dgm:styleLbl>
-  <dgm:styleLbl name="alignAcc1">
-    <dgm:fillClrLst meth="repeat">
-      <a:schemeClr val="lt1">
-        <a:alpha val="90000"/>
-      </a:schemeClr>
-    </dgm:fillClrLst>
-    <dgm:linClrLst meth="repeat">
-      <a:schemeClr val="accent1"/>
-    </dgm:linClrLst>
-    <dgm:effectClrLst/>
-    <dgm:txLinClrLst/>
-    <dgm:txFillClrLst meth="repeat">
-      <a:schemeClr val="dk1"/>
-    </dgm:txFillClrLst>
-    <dgm:txEffectClrLst/>
-  </dgm:styleLbl>
-  <dgm:styleLbl name="trAlignAcc1">
-    <dgm:fillClrLst meth="repeat">
-      <a:schemeClr val="lt1">
-        <a:alpha val="40000"/>
-      </a:schemeClr>
-    </dgm:fillClrLst>
-    <dgm:linClrLst meth="repeat">
-      <a:schemeClr val="accent1"/>
-    </dgm:linClrLst>
-    <dgm:effectClrLst/>
-    <dgm:txLinClrLst/>
-    <dgm:txFillClrLst meth="repeat">
-      <a:schemeClr val="dk1"/>
-    </dgm:txFillClrLst>
-    <dgm:txEffectClrLst/>
-  </dgm:styleLbl>
-  <dgm:styleLbl name="bgAcc1">
-    <dgm:fillClrLst meth="repeat">
-      <a:schemeClr val="lt1">
-        <a:alpha val="90000"/>
-      </a:schemeClr>
-    </dgm:fillClrLst>
-    <dgm:linClrLst meth="repeat">
-      <a:schemeClr val="accent1"/>
-    </dgm:linClrLst>
-    <dgm:effectClrLst/>
-    <dgm:txLinClrLst/>
-    <dgm:txFillClrLst meth="repeat">
-      <a:schemeClr val="dk1"/>
-    </dgm:txFillClrLst>
-    <dgm:txEffectClrLst/>
-  </dgm:styleLbl>
-  <dgm:styleLbl name="solidFgAcc1">
-    <dgm:fillClrLst meth="repeat">
-      <a:schemeClr val="lt1"/>
-    </dgm:fillClrLst>
-    <dgm:linClrLst meth="repeat">
-      <a:schemeClr val="accent1"/>
-    </dgm:linClrLst>
-    <dgm:effectClrLst/>
-    <dgm:txLinClrLst/>
-    <dgm:txFillClrLst meth="repeat">
-      <a:schemeClr val="dk1"/>
-    </dgm:txFillClrLst>
-    <dgm:txEffectClrLst/>
-  </dgm:styleLbl>
-  <dgm:styleLbl name="solidAlignAcc1">
-    <dgm:fillClrLst meth="repeat">
-      <a:schemeClr val="lt1"/>
-    </dgm:fillClrLst>
-    <dgm:linClrLst meth="repeat">
-      <a:schemeClr val="accent1"/>
-    </dgm:linClrLst>
-    <dgm:effectClrLst/>
-    <dgm:txLinClrLst/>
-    <dgm:txFillClrLst meth="repeat">
-      <a:schemeClr val="dk1"/>
-    </dgm:txFillClrLst>
-    <dgm:txEffectClrLst/>
-  </dgm:styleLbl>
-  <dgm:styleLbl name="solidBgAcc1">
-    <dgm:fillClrLst meth="repeat">
-      <a:schemeClr val="lt1"/>
-    </dgm:fillClrLst>
-    <dgm:linClrLst meth="repeat">
-      <a:schemeClr val="accent1"/>
-    </dgm:linClrLst>
-    <dgm:effectClrLst/>
-    <dgm:txLinClrLst/>
-    <dgm:txFillClrLst meth="repeat">
-      <a:schemeClr val="dk1"/>
-    </dgm:txFillClrLst>
-    <dgm:txEffectClrLst/>
-  </dgm:styleLbl>
-  <dgm:styleLbl name="fgAccFollowNode1">
-    <dgm:fillClrLst meth="repeat">
-      <a:schemeClr val="accent1">
-        <a:alpha val="90000"/>
-        <a:tint val="40000"/>
-      </a:schemeClr>
-    </dgm:fillClrLst>
-    <dgm:linClrLst meth="repeat">
-      <a:schemeClr val="accent1">
-        <a:alpha val="90000"/>
-        <a:tint val="40000"/>
-      </a:schemeClr>
-    </dgm:linClrLst>
-    <dgm:effectClrLst/>
-    <dgm:txLinClrLst/>
-    <dgm:txFillClrLst meth="repeat">
-      <a:schemeClr val="dk1"/>
-    </dgm:txFillClrLst>
-    <dgm:txEffectClrLst/>
-  </dgm:styleLbl>
-  <dgm:styleLbl name="alignAccFollowNode1">
-    <dgm:fillClrLst meth="repeat">
-      <a:schemeClr val="accent1">
-        <a:alpha val="90000"/>
-        <a:tint val="40000"/>
-      </a:schemeClr>
-    </dgm:fillClrLst>
-    <dgm:linClrLst meth="repeat">
-      <a:schemeClr val="accent1">
-        <a:alpha val="90000"/>
-        <a:tint val="40000"/>
-      </a:schemeClr>
-    </dgm:linClrLst>
-    <dgm:effectClrLst/>
-    <dgm:txLinClrLst/>
-    <dgm:txFillClrLst meth="repeat">
-      <a:schemeClr val="dk1"/>
-    </dgm:txFillClrLst>
-    <dgm:txEffectClrLst/>
-  </dgm:styleLbl>
-  <dgm:styleLbl name="bgAccFollowNode1">
-    <dgm:fillClrLst meth="repeat">
-      <a:schemeClr val="accent1">
-        <a:alpha val="90000"/>
-        <a:tint val="40000"/>
-      </a:schemeClr>
-    </dgm:fillClrLst>
-    <dgm:linClrLst meth="repeat">
-      <a:schemeClr val="accent1">
-        <a:alpha val="90000"/>
-        <a:tint val="40000"/>
-      </a:schemeClr>
-    </dgm:linClrLst>
-    <dgm:effectClrLst/>
-    <dgm:txLinClrLst/>
-    <dgm:txFillClrLst meth="repeat">
-      <a:schemeClr val="dk1"/>
-    </dgm:txFillClrLst>
-    <dgm:txEffectClrLst/>
-  </dgm:styleLbl>
-  <dgm:styleLbl name="fgAcc0">
-    <dgm:fillClrLst meth="repeat">
-      <a:schemeClr val="lt1">
-        <a:alpha val="90000"/>
-      </a:schemeClr>
-    </dgm:fillClrLst>
-    <dgm:linClrLst meth="repeat">
-      <a:schemeClr val="accent1"/>
-    </dgm:linClrLst>
-    <dgm:effectClrLst/>
-    <dgm:txLinClrLst/>
-    <dgm:txFillClrLst meth="repeat">
-      <a:schemeClr val="dk1"/>
-    </dgm:txFillClrLst>
-    <dgm:txEffectClrLst/>
-  </dgm:styleLbl>
-  <dgm:styleLbl name="fgAcc2">
-    <dgm:fillClrLst meth="repeat">
-      <a:schemeClr val="lt1">
-        <a:alpha val="90000"/>
-      </a:schemeClr>
-    </dgm:fillClrLst>
-    <dgm:linClrLst meth="repeat">
-      <a:schemeClr val="accent1"/>
-    </dgm:linClrLst>
-    <dgm:effectClrLst/>
-    <dgm:txLinClrLst/>
-    <dgm:txFillClrLst meth="repeat">
-      <a:schemeClr val="dk1"/>
-    </dgm:txFillClrLst>
-    <dgm:txEffectClrLst/>
-  </dgm:styleLbl>
-  <dgm:styleLbl name="fgAcc3">
-    <dgm:fillClrLst meth="repeat">
-      <a:schemeClr val="lt1">
-        <a:alpha val="90000"/>
-      </a:schemeClr>
-    </dgm:fillClrLst>
-    <dgm:linClrLst meth="repeat">
-      <a:schemeClr val="accent1"/>
-    </dgm:linClrLst>
-    <dgm:effectClrLst/>
-    <dgm:txLinClrLst/>
-    <dgm:txFillClrLst meth="repeat">
-      <a:schemeClr val="dk1"/>
-    </dgm:txFillClrLst>
-    <dgm:txEffectClrLst/>
-  </dgm:styleLbl>
-  <dgm:styleLbl name="fgAcc4">
-    <dgm:fillClrLst meth="repeat">
-      <a:schemeClr val="lt1">
-        <a:alpha val="90000"/>
-      </a:schemeClr>
-    </dgm:fillClrLst>
-    <dgm:linClrLst meth="repeat">
-      <a:schemeClr val="accent1"/>
-    </dgm:linClrLst>
-    <dgm:effectClrLst/>
-    <dgm:txLinClrLst/>
-    <dgm:txFillClrLst meth="repeat">
-      <a:schemeClr val="dk1"/>
-    </dgm:txFillClrLst>
-    <dgm:txEffectClrLst/>
-  </dgm:styleLbl>
-  <dgm:styleLbl name="bgShp">
-    <dgm:fillClrLst meth="repeat">
-      <a:schemeClr val="accent1">
-        <a:tint val="40000"/>
-      </a:schemeClr>
-    </dgm:fillClrLst>
-    <dgm:linClrLst meth="repeat">
-      <a:schemeClr val="accent1"/>
-    </dgm:linClrLst>
-    <dgm:effectClrLst/>
-    <dgm:txLinClrLst/>
-    <dgm:txFillClrLst meth="repeat">
-      <a:schemeClr val="dk1"/>
-    </dgm:txFillClrLst>
-    <dgm:txEffectClrLst/>
-  </dgm:styleLbl>
-  <dgm:styleLbl name="dkBgShp">
-    <dgm:fillClrLst meth="repeat">
-      <a:schemeClr val="accent1">
-        <a:shade val="80000"/>
-      </a:schemeClr>
-    </dgm:fillClrLst>
-    <dgm:linClrLst meth="repeat">
-      <a:schemeClr val="accent1"/>
-    </dgm:linClrLst>
-    <dgm:effectClrLst/>
-    <dgm:txLinClrLst/>
-    <dgm:txFillClrLst meth="repeat">
-      <a:schemeClr val="lt1"/>
-    </dgm:txFillClrLst>
-    <dgm:txEffectClrLst/>
-  </dgm:styleLbl>
-  <dgm:styleLbl name="trBgShp">
-    <dgm:fillClrLst meth="repeat">
-      <a:schemeClr val="accent1">
-        <a:tint val="50000"/>
-        <a:alpha val="40000"/>
-      </a:schemeClr>
-    </dgm:fillClrLst>
-    <dgm:linClrLst meth="repeat">
-      <a:schemeClr val="accent1"/>
-    </dgm:linClrLst>
-    <dgm:effectClrLst/>
-    <dgm:txLinClrLst/>
-    <dgm:txFillClrLst meth="repeat">
-      <a:schemeClr val="lt1"/>
-    </dgm:txFillClrLst>
-    <dgm:txEffectClrLst/>
-  </dgm:styleLbl>
-  <dgm:styleLbl name="fgShp">
-    <dgm:fillClrLst meth="repeat">
-      <a:schemeClr val="accent1">
-        <a:tint val="60000"/>
-      </a:schemeClr>
-    </dgm:fillClrLst>
-    <dgm:linClrLst meth="repeat">
-      <a:schemeClr val="lt1"/>
-    </dgm:linClrLst>
-    <dgm:effectClrLst/>
-    <dgm:txLinClrLst/>
-    <dgm:txFillClrLst meth="repeat">
-      <a:schemeClr val="dk1"/>
-    </dgm:txFillClrLst>
-    <dgm:txEffectClrLst/>
-  </dgm:styleLbl>
-  <dgm:styleLbl name="revTx">
-    <dgm:fillClrLst meth="repeat">
-      <a:schemeClr val="lt1">
-        <a:alpha val="0"/>
-      </a:schemeClr>
-    </dgm:fillClrLst>
-    <dgm:linClrLst meth="repeat">
-      <a:schemeClr val="dk1">
-        <a:alpha val="0"/>
-      </a:schemeClr>
-    </dgm:linClrLst>
-    <dgm:effectClrLst/>
-    <dgm:txLinClrLst/>
-    <dgm:txFillClrLst meth="repeat">
-      <a:schemeClr val="tx1"/>
-    </dgm:txFillClrLst>
-    <dgm:txEffectClrLst/>
-  </dgm:styleLbl>
-</dgm:colorsDef>
-</file>
-
-<file path=ppt/diagrams/colors6.xml><?xml version="1.0" encoding="utf-8"?>
 <dgm:colorsDef xmlns:dgm="http://schemas.openxmlformats.org/drawingml/2006/diagram" xmlns:a="http://schemas.openxmlformats.org/drawingml/2006/main" uniqueId="urn:microsoft.com/office/officeart/2005/8/colors/accent1_2">
   <dgm:title val=""/>
   <dgm:desc val=""/>
@@ -6912,273 +6165,6 @@
   <dgm:bg>
     <a:noFill/>
   </dgm:bg>
-  <dgm:whole/>
-  <dgm:extLst>
-    <a:ext uri="http://schemas.microsoft.com/office/drawing/2008/diagram">
-      <dsp:dataModelExt xmlns:dsp="http://schemas.microsoft.com/office/drawing/2008/diagram" relId="rId6" minVer="http://schemas.openxmlformats.org/drawingml/2006/diagram"/>
-    </a:ext>
-  </dgm:extLst>
-</dgm:dataModel>
-</file>
-
-<file path=ppt/diagrams/data6.xml><?xml version="1.0" encoding="utf-8"?>
-<dgm:dataModel xmlns:dgm="http://schemas.openxmlformats.org/drawingml/2006/diagram" xmlns:a="http://schemas.openxmlformats.org/drawingml/2006/main">
-  <dgm:ptLst>
-    <dgm:pt modelId="{C4DCE297-A24B-9A45-B82B-D7EB3FD74112}" type="doc">
-      <dgm:prSet loTypeId="urn:microsoft.com/office/officeart/2005/8/layout/chevron1" loCatId="process" qsTypeId="urn:microsoft.com/office/officeart/2005/8/quickstyle/simple1" qsCatId="simple" csTypeId="urn:microsoft.com/office/officeart/2005/8/colors/accent1_2" csCatId="accent1" phldr="1"/>
-      <dgm:spPr/>
-      <dgm:t>
-        <a:bodyPr/>
-        <a:lstStyle/>
-        <a:p>
-          <a:endParaRPr lang="en-US"/>
-        </a:p>
-      </dgm:t>
-    </dgm:pt>
-    <dgm:pt modelId="{1448A5DA-5A40-8042-B77F-3021CB65E341}">
-      <dgm:prSet phldrT="[Text]"/>
-      <dgm:spPr>
-        <a:noFill/>
-      </dgm:spPr>
-      <dgm:t>
-        <a:bodyPr/>
-        <a:lstStyle/>
-        <a:p>
-          <a:r>
-            <a:rPr lang="en-US" dirty="0"/>
-            <a:t>JDK 1.8.0_202</a:t>
-          </a:r>
-        </a:p>
-      </dgm:t>
-    </dgm:pt>
-    <dgm:pt modelId="{4EA8BD43-AE8A-7D4B-AE81-98404980BEDD}" type="parTrans" cxnId="{925531E7-DB54-B944-9C84-FC039875A559}">
-      <dgm:prSet/>
-      <dgm:spPr/>
-      <dgm:t>
-        <a:bodyPr/>
-        <a:lstStyle/>
-        <a:p>
-          <a:endParaRPr lang="en-US"/>
-        </a:p>
-      </dgm:t>
-    </dgm:pt>
-    <dgm:pt modelId="{27141465-9452-FD49-8D33-09478CB5654A}" type="sibTrans" cxnId="{925531E7-DB54-B944-9C84-FC039875A559}">
-      <dgm:prSet/>
-      <dgm:spPr/>
-      <dgm:t>
-        <a:bodyPr/>
-        <a:lstStyle/>
-        <a:p>
-          <a:endParaRPr lang="en-US"/>
-        </a:p>
-      </dgm:t>
-    </dgm:pt>
-    <dgm:pt modelId="{CDF31B49-9E4D-D54B-BA1C-F577DC3A7BAE}">
-      <dgm:prSet phldrT="[Text]"/>
-      <dgm:spPr>
-        <a:noFill/>
-      </dgm:spPr>
-      <dgm:t>
-        <a:bodyPr/>
-        <a:lstStyle/>
-        <a:p>
-          <a:r>
-            <a:rPr lang="en-US" dirty="0"/>
-            <a:t>Python</a:t>
-          </a:r>
-        </a:p>
-        <a:p>
-          <a:r>
-            <a:rPr lang="en-US" dirty="0"/>
-            <a:t>2.7.10</a:t>
-          </a:r>
-        </a:p>
-      </dgm:t>
-    </dgm:pt>
-    <dgm:pt modelId="{D6C5EF19-7123-D14C-BA4D-848109A02612}" type="parTrans" cxnId="{08139F54-813E-514F-8A6F-33048205E8B0}">
-      <dgm:prSet/>
-      <dgm:spPr/>
-      <dgm:t>
-        <a:bodyPr/>
-        <a:lstStyle/>
-        <a:p>
-          <a:endParaRPr lang="en-US"/>
-        </a:p>
-      </dgm:t>
-    </dgm:pt>
-    <dgm:pt modelId="{85A749B5-A52A-0940-BE66-0EC11E56BD74}" type="sibTrans" cxnId="{08139F54-813E-514F-8A6F-33048205E8B0}">
-      <dgm:prSet/>
-      <dgm:spPr/>
-      <dgm:t>
-        <a:bodyPr/>
-        <a:lstStyle/>
-        <a:p>
-          <a:endParaRPr lang="en-US"/>
-        </a:p>
-      </dgm:t>
-    </dgm:pt>
-    <dgm:pt modelId="{B0522907-59E0-5D4C-912D-FBDE594B0567}">
-      <dgm:prSet phldrT="[Text]"/>
-      <dgm:spPr>
-        <a:noFill/>
-      </dgm:spPr>
-      <dgm:t>
-        <a:bodyPr/>
-        <a:lstStyle/>
-        <a:p>
-          <a:r>
-            <a:rPr lang="en-US" dirty="0" err="1"/>
-            <a:t>PySpark</a:t>
-          </a:r>
-          <a:r>
-            <a:rPr lang="en-US" dirty="0"/>
-            <a:t> Shell</a:t>
-          </a:r>
-        </a:p>
-      </dgm:t>
-    </dgm:pt>
-    <dgm:pt modelId="{D6366957-666F-EF45-B5BF-F781B77AB243}" type="parTrans" cxnId="{4ED6EB28-0FED-854C-BB63-EA7BC785991D}">
-      <dgm:prSet/>
-      <dgm:spPr/>
-      <dgm:t>
-        <a:bodyPr/>
-        <a:lstStyle/>
-        <a:p>
-          <a:endParaRPr lang="en-US"/>
-        </a:p>
-      </dgm:t>
-    </dgm:pt>
-    <dgm:pt modelId="{B92E3F62-9738-CD46-9451-FCD312410B24}" type="sibTrans" cxnId="{4ED6EB28-0FED-854C-BB63-EA7BC785991D}">
-      <dgm:prSet/>
-      <dgm:spPr/>
-      <dgm:t>
-        <a:bodyPr/>
-        <a:lstStyle/>
-        <a:p>
-          <a:endParaRPr lang="en-US"/>
-        </a:p>
-      </dgm:t>
-    </dgm:pt>
-    <dgm:pt modelId="{939C9AB4-5A55-7E41-B104-779C75940A69}">
-      <dgm:prSet phldrT="[Text]"/>
-      <dgm:spPr>
-        <a:noFill/>
-      </dgm:spPr>
-      <dgm:t>
-        <a:bodyPr/>
-        <a:lstStyle/>
-        <a:p>
-          <a:r>
-            <a:rPr lang="en-US" dirty="0"/>
-            <a:t>HDFS</a:t>
-          </a:r>
-        </a:p>
-      </dgm:t>
-    </dgm:pt>
-    <dgm:pt modelId="{398B5B92-6B84-9346-A932-CCFB10C59855}" type="parTrans" cxnId="{03749D82-2F5E-1340-9CF1-CF6B73DF2BCF}">
-      <dgm:prSet/>
-      <dgm:spPr/>
-      <dgm:t>
-        <a:bodyPr/>
-        <a:lstStyle/>
-        <a:p>
-          <a:endParaRPr lang="en-US"/>
-        </a:p>
-      </dgm:t>
-    </dgm:pt>
-    <dgm:pt modelId="{02739DDD-430C-FF47-835A-18110EDEBF7A}" type="sibTrans" cxnId="{03749D82-2F5E-1340-9CF1-CF6B73DF2BCF}">
-      <dgm:prSet/>
-      <dgm:spPr/>
-      <dgm:t>
-        <a:bodyPr/>
-        <a:lstStyle/>
-        <a:p>
-          <a:endParaRPr lang="en-US"/>
-        </a:p>
-      </dgm:t>
-    </dgm:pt>
-    <dgm:pt modelId="{D79C60BA-152D-EC40-9F89-913132495D72}" type="pres">
-      <dgm:prSet presAssocID="{C4DCE297-A24B-9A45-B82B-D7EB3FD74112}" presName="Name0" presStyleCnt="0">
-        <dgm:presLayoutVars>
-          <dgm:dir/>
-          <dgm:animLvl val="lvl"/>
-          <dgm:resizeHandles val="exact"/>
-        </dgm:presLayoutVars>
-      </dgm:prSet>
-      <dgm:spPr/>
-    </dgm:pt>
-    <dgm:pt modelId="{98E19C48-5890-6A43-830A-E95071E7EA55}" type="pres">
-      <dgm:prSet presAssocID="{1448A5DA-5A40-8042-B77F-3021CB65E341}" presName="parTxOnly" presStyleLbl="node1" presStyleIdx="0" presStyleCnt="4" custLinFactNeighborX="-35681" custLinFactNeighborY="0">
-        <dgm:presLayoutVars>
-          <dgm:chMax val="0"/>
-          <dgm:chPref val="0"/>
-          <dgm:bulletEnabled val="1"/>
-        </dgm:presLayoutVars>
-      </dgm:prSet>
-      <dgm:spPr/>
-    </dgm:pt>
-    <dgm:pt modelId="{CEC51757-3C7D-B14F-948B-D509BFD651FE}" type="pres">
-      <dgm:prSet presAssocID="{27141465-9452-FD49-8D33-09478CB5654A}" presName="parTxOnlySpace" presStyleCnt="0"/>
-      <dgm:spPr/>
-    </dgm:pt>
-    <dgm:pt modelId="{EBDEBBBF-FB0A-2545-8996-A9F6C1F52A62}" type="pres">
-      <dgm:prSet presAssocID="{CDF31B49-9E4D-D54B-BA1C-F577DC3A7BAE}" presName="parTxOnly" presStyleLbl="node1" presStyleIdx="1" presStyleCnt="4">
-        <dgm:presLayoutVars>
-          <dgm:chMax val="0"/>
-          <dgm:chPref val="0"/>
-          <dgm:bulletEnabled val="1"/>
-        </dgm:presLayoutVars>
-      </dgm:prSet>
-      <dgm:spPr/>
-    </dgm:pt>
-    <dgm:pt modelId="{81178DA8-2FF3-E84F-A4C3-7A8E1E9F5BBF}" type="pres">
-      <dgm:prSet presAssocID="{85A749B5-A52A-0940-BE66-0EC11E56BD74}" presName="parTxOnlySpace" presStyleCnt="0"/>
-      <dgm:spPr/>
-    </dgm:pt>
-    <dgm:pt modelId="{1659D608-C4A9-8940-A0DD-9084FFFEB988}" type="pres">
-      <dgm:prSet presAssocID="{939C9AB4-5A55-7E41-B104-779C75940A69}" presName="parTxOnly" presStyleLbl="node1" presStyleIdx="2" presStyleCnt="4">
-        <dgm:presLayoutVars>
-          <dgm:chMax val="0"/>
-          <dgm:chPref val="0"/>
-          <dgm:bulletEnabled val="1"/>
-        </dgm:presLayoutVars>
-      </dgm:prSet>
-      <dgm:spPr/>
-    </dgm:pt>
-    <dgm:pt modelId="{9EDC2970-98CB-564A-AD16-51B0F9A4DEE7}" type="pres">
-      <dgm:prSet presAssocID="{02739DDD-430C-FF47-835A-18110EDEBF7A}" presName="parTxOnlySpace" presStyleCnt="0"/>
-      <dgm:spPr/>
-    </dgm:pt>
-    <dgm:pt modelId="{F769173F-4DD8-4840-A4D4-48BED0B4ECCC}" type="pres">
-      <dgm:prSet presAssocID="{B0522907-59E0-5D4C-912D-FBDE594B0567}" presName="parTxOnly" presStyleLbl="node1" presStyleIdx="3" presStyleCnt="4">
-        <dgm:presLayoutVars>
-          <dgm:chMax val="0"/>
-          <dgm:chPref val="0"/>
-          <dgm:bulletEnabled val="1"/>
-        </dgm:presLayoutVars>
-      </dgm:prSet>
-      <dgm:spPr/>
-    </dgm:pt>
-  </dgm:ptLst>
-  <dgm:cxnLst>
-    <dgm:cxn modelId="{41BF7316-03C3-6A49-9FA9-B8FA0F9D24AB}" type="presOf" srcId="{939C9AB4-5A55-7E41-B104-779C75940A69}" destId="{1659D608-C4A9-8940-A0DD-9084FFFEB988}" srcOrd="0" destOrd="0" presId="urn:microsoft.com/office/officeart/2005/8/layout/chevron1"/>
-    <dgm:cxn modelId="{4ED6EB28-0FED-854C-BB63-EA7BC785991D}" srcId="{C4DCE297-A24B-9A45-B82B-D7EB3FD74112}" destId="{B0522907-59E0-5D4C-912D-FBDE594B0567}" srcOrd="3" destOrd="0" parTransId="{D6366957-666F-EF45-B5BF-F781B77AB243}" sibTransId="{B92E3F62-9738-CD46-9451-FCD312410B24}"/>
-    <dgm:cxn modelId="{08139F54-813E-514F-8A6F-33048205E8B0}" srcId="{C4DCE297-A24B-9A45-B82B-D7EB3FD74112}" destId="{CDF31B49-9E4D-D54B-BA1C-F577DC3A7BAE}" srcOrd="1" destOrd="0" parTransId="{D6C5EF19-7123-D14C-BA4D-848109A02612}" sibTransId="{85A749B5-A52A-0940-BE66-0EC11E56BD74}"/>
-    <dgm:cxn modelId="{31C0276C-C095-BC48-8D2F-8AFD26E763BC}" type="presOf" srcId="{B0522907-59E0-5D4C-912D-FBDE594B0567}" destId="{F769173F-4DD8-4840-A4D4-48BED0B4ECCC}" srcOrd="0" destOrd="0" presId="urn:microsoft.com/office/officeart/2005/8/layout/chevron1"/>
-    <dgm:cxn modelId="{03749D82-2F5E-1340-9CF1-CF6B73DF2BCF}" srcId="{C4DCE297-A24B-9A45-B82B-D7EB3FD74112}" destId="{939C9AB4-5A55-7E41-B104-779C75940A69}" srcOrd="2" destOrd="0" parTransId="{398B5B92-6B84-9346-A932-CCFB10C59855}" sibTransId="{02739DDD-430C-FF47-835A-18110EDEBF7A}"/>
-    <dgm:cxn modelId="{5D0D7A98-7446-DF4A-9D72-BE551F8FC2C5}" type="presOf" srcId="{1448A5DA-5A40-8042-B77F-3021CB65E341}" destId="{98E19C48-5890-6A43-830A-E95071E7EA55}" srcOrd="0" destOrd="0" presId="urn:microsoft.com/office/officeart/2005/8/layout/chevron1"/>
-    <dgm:cxn modelId="{54845FA9-BAEB-A543-9621-26E1FE4BD380}" type="presOf" srcId="{CDF31B49-9E4D-D54B-BA1C-F577DC3A7BAE}" destId="{EBDEBBBF-FB0A-2545-8996-A9F6C1F52A62}" srcOrd="0" destOrd="0" presId="urn:microsoft.com/office/officeart/2005/8/layout/chevron1"/>
-    <dgm:cxn modelId="{147135DC-6EFF-1F41-B5D2-EF2056783148}" type="presOf" srcId="{C4DCE297-A24B-9A45-B82B-D7EB3FD74112}" destId="{D79C60BA-152D-EC40-9F89-913132495D72}" srcOrd="0" destOrd="0" presId="urn:microsoft.com/office/officeart/2005/8/layout/chevron1"/>
-    <dgm:cxn modelId="{925531E7-DB54-B944-9C84-FC039875A559}" srcId="{C4DCE297-A24B-9A45-B82B-D7EB3FD74112}" destId="{1448A5DA-5A40-8042-B77F-3021CB65E341}" srcOrd="0" destOrd="0" parTransId="{4EA8BD43-AE8A-7D4B-AE81-98404980BEDD}" sibTransId="{27141465-9452-FD49-8D33-09478CB5654A}"/>
-    <dgm:cxn modelId="{8113683A-BD94-4E40-8042-4B07874EAAE8}" type="presParOf" srcId="{D79C60BA-152D-EC40-9F89-913132495D72}" destId="{98E19C48-5890-6A43-830A-E95071E7EA55}" srcOrd="0" destOrd="0" presId="urn:microsoft.com/office/officeart/2005/8/layout/chevron1"/>
-    <dgm:cxn modelId="{02887BEA-9946-1B44-995B-27B1F54B9F52}" type="presParOf" srcId="{D79C60BA-152D-EC40-9F89-913132495D72}" destId="{CEC51757-3C7D-B14F-948B-D509BFD651FE}" srcOrd="1" destOrd="0" presId="urn:microsoft.com/office/officeart/2005/8/layout/chevron1"/>
-    <dgm:cxn modelId="{21BD502E-1E7E-0C4C-876B-D3E7385EB386}" type="presParOf" srcId="{D79C60BA-152D-EC40-9F89-913132495D72}" destId="{EBDEBBBF-FB0A-2545-8996-A9F6C1F52A62}" srcOrd="2" destOrd="0" presId="urn:microsoft.com/office/officeart/2005/8/layout/chevron1"/>
-    <dgm:cxn modelId="{C5806954-33D6-6542-AEC6-11A4C936A055}" type="presParOf" srcId="{D79C60BA-152D-EC40-9F89-913132495D72}" destId="{81178DA8-2FF3-E84F-A4C3-7A8E1E9F5BBF}" srcOrd="3" destOrd="0" presId="urn:microsoft.com/office/officeart/2005/8/layout/chevron1"/>
-    <dgm:cxn modelId="{59B54967-6B3B-5C46-B426-50A2D9F06D8B}" type="presParOf" srcId="{D79C60BA-152D-EC40-9F89-913132495D72}" destId="{1659D608-C4A9-8940-A0DD-9084FFFEB988}" srcOrd="4" destOrd="0" presId="urn:microsoft.com/office/officeart/2005/8/layout/chevron1"/>
-    <dgm:cxn modelId="{AFD7AC4D-5CC1-324F-A394-8A38B3A21E4F}" type="presParOf" srcId="{D79C60BA-152D-EC40-9F89-913132495D72}" destId="{9EDC2970-98CB-564A-AD16-51B0F9A4DEE7}" srcOrd="5" destOrd="0" presId="urn:microsoft.com/office/officeart/2005/8/layout/chevron1"/>
-    <dgm:cxn modelId="{73AF8E49-A286-AA41-9741-410142616E23}" type="presParOf" srcId="{D79C60BA-152D-EC40-9F89-913132495D72}" destId="{F769173F-4DD8-4840-A4D4-48BED0B4ECCC}" srcOrd="6" destOrd="0" presId="urn:microsoft.com/office/officeart/2005/8/layout/chevron1"/>
-  </dgm:cxnLst>
-  <dgm:bg/>
   <dgm:whole/>
   <dgm:extLst>
     <a:ext uri="http://schemas.microsoft.com/office/drawing/2008/diagram">
@@ -10126,320 +9112,6 @@
       <dsp:txXfrm>
         <a:off x="994093" y="2178831"/>
         <a:ext cx="1776574" cy="782484"/>
-      </dsp:txXfrm>
-    </dsp:sp>
-  </dsp:spTree>
-</dsp:drawing>
-</file>
-
-<file path=ppt/diagrams/drawing6.xml><?xml version="1.0" encoding="utf-8"?>
-<dsp:drawing xmlns:dgm="http://schemas.openxmlformats.org/drawingml/2006/diagram" xmlns:dsp="http://schemas.microsoft.com/office/drawing/2008/diagram" xmlns:a="http://schemas.openxmlformats.org/drawingml/2006/main">
-  <dsp:spTree>
-    <dsp:nvGrpSpPr>
-      <dsp:cNvPr id="0" name=""/>
-      <dsp:cNvGrpSpPr/>
-    </dsp:nvGrpSpPr>
-    <dsp:grpSpPr/>
-    <dsp:sp modelId="{98E19C48-5890-6A43-830A-E95071E7EA55}">
-      <dsp:nvSpPr>
-        <dsp:cNvPr id="0" name=""/>
-        <dsp:cNvSpPr/>
-      </dsp:nvSpPr>
-      <dsp:spPr>
-        <a:xfrm>
-          <a:off x="0" y="2270389"/>
-          <a:ext cx="2194718" cy="877887"/>
-        </a:xfrm>
-        <a:prstGeom prst="chevron">
-          <a:avLst/>
-        </a:prstGeom>
-        <a:noFill/>
-        <a:ln w="19050" cap="rnd" cmpd="sng" algn="ctr">
-          <a:solidFill>
-            <a:schemeClr val="lt1">
-              <a:hueOff val="0"/>
-              <a:satOff val="0"/>
-              <a:lumOff val="0"/>
-              <a:alphaOff val="0"/>
-            </a:schemeClr>
-          </a:solidFill>
-          <a:prstDash val="solid"/>
-        </a:ln>
-        <a:effectLst/>
-      </dsp:spPr>
-      <dsp:style>
-        <a:lnRef idx="2">
-          <a:scrgbClr r="0" g="0" b="0"/>
-        </a:lnRef>
-        <a:fillRef idx="1">
-          <a:scrgbClr r="0" g="0" b="0"/>
-        </a:fillRef>
-        <a:effectRef idx="0">
-          <a:scrgbClr r="0" g="0" b="0"/>
-        </a:effectRef>
-        <a:fontRef idx="minor">
-          <a:schemeClr val="lt1"/>
-        </a:fontRef>
-      </dsp:style>
-      <dsp:txBody>
-        <a:bodyPr spcFirstLastPara="0" vert="horz" wrap="square" lIns="92012" tIns="30671" rIns="30671" bIns="30671" numCol="1" spcCol="1270" anchor="ctr" anchorCtr="0">
-          <a:noAutofit/>
-        </a:bodyPr>
-        <a:lstStyle/>
-        <a:p>
-          <a:pPr marL="0" lvl="0" indent="0" algn="ctr" defTabSz="1022350">
-            <a:lnSpc>
-              <a:spcPct val="90000"/>
-            </a:lnSpc>
-            <a:spcBef>
-              <a:spcPct val="0"/>
-            </a:spcBef>
-            <a:spcAft>
-              <a:spcPct val="35000"/>
-            </a:spcAft>
-            <a:buNone/>
-          </a:pPr>
-          <a:r>
-            <a:rPr lang="en-US" sz="2300" kern="1200" dirty="0"/>
-            <a:t>JDK 1.8.0_202</a:t>
-          </a:r>
-        </a:p>
-      </dsp:txBody>
-      <dsp:txXfrm>
-        <a:off x="438944" y="2270389"/>
-        <a:ext cx="1316831" cy="877887"/>
-      </dsp:txXfrm>
-    </dsp:sp>
-    <dsp:sp modelId="{EBDEBBBF-FB0A-2545-8996-A9F6C1F52A62}">
-      <dsp:nvSpPr>
-        <dsp:cNvPr id="0" name=""/>
-        <dsp:cNvSpPr/>
-      </dsp:nvSpPr>
-      <dsp:spPr>
-        <a:xfrm>
-          <a:off x="1979017" y="2270389"/>
-          <a:ext cx="2194718" cy="877887"/>
-        </a:xfrm>
-        <a:prstGeom prst="chevron">
-          <a:avLst/>
-        </a:prstGeom>
-        <a:noFill/>
-        <a:ln w="19050" cap="rnd" cmpd="sng" algn="ctr">
-          <a:solidFill>
-            <a:schemeClr val="lt1">
-              <a:hueOff val="0"/>
-              <a:satOff val="0"/>
-              <a:lumOff val="0"/>
-              <a:alphaOff val="0"/>
-            </a:schemeClr>
-          </a:solidFill>
-          <a:prstDash val="solid"/>
-        </a:ln>
-        <a:effectLst/>
-      </dsp:spPr>
-      <dsp:style>
-        <a:lnRef idx="2">
-          <a:scrgbClr r="0" g="0" b="0"/>
-        </a:lnRef>
-        <a:fillRef idx="1">
-          <a:scrgbClr r="0" g="0" b="0"/>
-        </a:fillRef>
-        <a:effectRef idx="0">
-          <a:scrgbClr r="0" g="0" b="0"/>
-        </a:effectRef>
-        <a:fontRef idx="minor">
-          <a:schemeClr val="lt1"/>
-        </a:fontRef>
-      </dsp:style>
-      <dsp:txBody>
-        <a:bodyPr spcFirstLastPara="0" vert="horz" wrap="square" lIns="92012" tIns="30671" rIns="30671" bIns="30671" numCol="1" spcCol="1270" anchor="ctr" anchorCtr="0">
-          <a:noAutofit/>
-        </a:bodyPr>
-        <a:lstStyle/>
-        <a:p>
-          <a:pPr marL="0" lvl="0" indent="0" algn="ctr" defTabSz="1022350">
-            <a:lnSpc>
-              <a:spcPct val="90000"/>
-            </a:lnSpc>
-            <a:spcBef>
-              <a:spcPct val="0"/>
-            </a:spcBef>
-            <a:spcAft>
-              <a:spcPct val="35000"/>
-            </a:spcAft>
-            <a:buNone/>
-          </a:pPr>
-          <a:r>
-            <a:rPr lang="en-US" sz="2300" kern="1200" dirty="0"/>
-            <a:t>Python</a:t>
-          </a:r>
-        </a:p>
-        <a:p>
-          <a:pPr marL="0" lvl="0" indent="0" algn="ctr" defTabSz="1022350">
-            <a:lnSpc>
-              <a:spcPct val="90000"/>
-            </a:lnSpc>
-            <a:spcBef>
-              <a:spcPct val="0"/>
-            </a:spcBef>
-            <a:spcAft>
-              <a:spcPct val="35000"/>
-            </a:spcAft>
-            <a:buNone/>
-          </a:pPr>
-          <a:r>
-            <a:rPr lang="en-US" sz="2300" kern="1200" dirty="0"/>
-            <a:t>2.7.10</a:t>
-          </a:r>
-        </a:p>
-      </dsp:txBody>
-      <dsp:txXfrm>
-        <a:off x="2417961" y="2270389"/>
-        <a:ext cx="1316831" cy="877887"/>
-      </dsp:txXfrm>
-    </dsp:sp>
-    <dsp:sp modelId="{1659D608-C4A9-8940-A0DD-9084FFFEB988}">
-      <dsp:nvSpPr>
-        <dsp:cNvPr id="0" name=""/>
-        <dsp:cNvSpPr/>
-      </dsp:nvSpPr>
-      <dsp:spPr>
-        <a:xfrm>
-          <a:off x="3954264" y="2270389"/>
-          <a:ext cx="2194718" cy="877887"/>
-        </a:xfrm>
-        <a:prstGeom prst="chevron">
-          <a:avLst/>
-        </a:prstGeom>
-        <a:noFill/>
-        <a:ln w="19050" cap="rnd" cmpd="sng" algn="ctr">
-          <a:solidFill>
-            <a:schemeClr val="lt1">
-              <a:hueOff val="0"/>
-              <a:satOff val="0"/>
-              <a:lumOff val="0"/>
-              <a:alphaOff val="0"/>
-            </a:schemeClr>
-          </a:solidFill>
-          <a:prstDash val="solid"/>
-        </a:ln>
-        <a:effectLst/>
-      </dsp:spPr>
-      <dsp:style>
-        <a:lnRef idx="2">
-          <a:scrgbClr r="0" g="0" b="0"/>
-        </a:lnRef>
-        <a:fillRef idx="1">
-          <a:scrgbClr r="0" g="0" b="0"/>
-        </a:fillRef>
-        <a:effectRef idx="0">
-          <a:scrgbClr r="0" g="0" b="0"/>
-        </a:effectRef>
-        <a:fontRef idx="minor">
-          <a:schemeClr val="lt1"/>
-        </a:fontRef>
-      </dsp:style>
-      <dsp:txBody>
-        <a:bodyPr spcFirstLastPara="0" vert="horz" wrap="square" lIns="92012" tIns="30671" rIns="30671" bIns="30671" numCol="1" spcCol="1270" anchor="ctr" anchorCtr="0">
-          <a:noAutofit/>
-        </a:bodyPr>
-        <a:lstStyle/>
-        <a:p>
-          <a:pPr marL="0" lvl="0" indent="0" algn="ctr" defTabSz="1022350">
-            <a:lnSpc>
-              <a:spcPct val="90000"/>
-            </a:lnSpc>
-            <a:spcBef>
-              <a:spcPct val="0"/>
-            </a:spcBef>
-            <a:spcAft>
-              <a:spcPct val="35000"/>
-            </a:spcAft>
-            <a:buNone/>
-          </a:pPr>
-          <a:r>
-            <a:rPr lang="en-US" sz="2300" kern="1200" dirty="0"/>
-            <a:t>HDFS</a:t>
-          </a:r>
-        </a:p>
-      </dsp:txBody>
-      <dsp:txXfrm>
-        <a:off x="4393208" y="2270389"/>
-        <a:ext cx="1316831" cy="877887"/>
-      </dsp:txXfrm>
-    </dsp:sp>
-    <dsp:sp modelId="{F769173F-4DD8-4840-A4D4-48BED0B4ECCC}">
-      <dsp:nvSpPr>
-        <dsp:cNvPr id="0" name=""/>
-        <dsp:cNvSpPr/>
-      </dsp:nvSpPr>
-      <dsp:spPr>
-        <a:xfrm>
-          <a:off x="5929510" y="2270389"/>
-          <a:ext cx="2194718" cy="877887"/>
-        </a:xfrm>
-        <a:prstGeom prst="chevron">
-          <a:avLst/>
-        </a:prstGeom>
-        <a:noFill/>
-        <a:ln w="19050" cap="rnd" cmpd="sng" algn="ctr">
-          <a:solidFill>
-            <a:schemeClr val="lt1">
-              <a:hueOff val="0"/>
-              <a:satOff val="0"/>
-              <a:lumOff val="0"/>
-              <a:alphaOff val="0"/>
-            </a:schemeClr>
-          </a:solidFill>
-          <a:prstDash val="solid"/>
-        </a:ln>
-        <a:effectLst/>
-      </dsp:spPr>
-      <dsp:style>
-        <a:lnRef idx="2">
-          <a:scrgbClr r="0" g="0" b="0"/>
-        </a:lnRef>
-        <a:fillRef idx="1">
-          <a:scrgbClr r="0" g="0" b="0"/>
-        </a:fillRef>
-        <a:effectRef idx="0">
-          <a:scrgbClr r="0" g="0" b="0"/>
-        </a:effectRef>
-        <a:fontRef idx="minor">
-          <a:schemeClr val="lt1"/>
-        </a:fontRef>
-      </dsp:style>
-      <dsp:txBody>
-        <a:bodyPr spcFirstLastPara="0" vert="horz" wrap="square" lIns="92012" tIns="30671" rIns="30671" bIns="30671" numCol="1" spcCol="1270" anchor="ctr" anchorCtr="0">
-          <a:noAutofit/>
-        </a:bodyPr>
-        <a:lstStyle/>
-        <a:p>
-          <a:pPr marL="0" lvl="0" indent="0" algn="ctr" defTabSz="1022350">
-            <a:lnSpc>
-              <a:spcPct val="90000"/>
-            </a:lnSpc>
-            <a:spcBef>
-              <a:spcPct val="0"/>
-            </a:spcBef>
-            <a:spcAft>
-              <a:spcPct val="35000"/>
-            </a:spcAft>
-            <a:buNone/>
-          </a:pPr>
-          <a:r>
-            <a:rPr lang="en-US" sz="2300" kern="1200" dirty="0" err="1"/>
-            <a:t>PySpark</a:t>
-          </a:r>
-          <a:r>
-            <a:rPr lang="en-US" sz="2300" kern="1200" dirty="0"/>
-            <a:t> Shell</a:t>
-          </a:r>
-        </a:p>
-      </dsp:txBody>
-      <dsp:txXfrm>
-        <a:off x="6368454" y="2270389"/>
-        <a:ext cx="1316831" cy="877887"/>
       </dsp:txXfrm>
     </dsp:sp>
   </dsp:spTree>
@@ -16355,289 +15027,6 @@
 </dgm:layoutDef>
 </file>
 
-<file path=ppt/diagrams/layout6.xml><?xml version="1.0" encoding="utf-8"?>
-<dgm:layoutDef xmlns:dgm="http://schemas.openxmlformats.org/drawingml/2006/diagram" xmlns:a="http://schemas.openxmlformats.org/drawingml/2006/main" uniqueId="urn:microsoft.com/office/officeart/2005/8/layout/chevron1">
-  <dgm:title val=""/>
-  <dgm:desc val=""/>
-  <dgm:catLst>
-    <dgm:cat type="process" pri="9000"/>
-  </dgm:catLst>
-  <dgm:sampData useDef="1">
-    <dgm:dataModel>
-      <dgm:ptLst/>
-      <dgm:bg/>
-      <dgm:whole/>
-    </dgm:dataModel>
-  </dgm:sampData>
-  <dgm:styleData>
-    <dgm:dataModel>
-      <dgm:ptLst>
-        <dgm:pt modelId="0" type="doc"/>
-        <dgm:pt modelId="1"/>
-        <dgm:pt modelId="2"/>
-      </dgm:ptLst>
-      <dgm:cxnLst>
-        <dgm:cxn modelId="3" srcId="0" destId="1" srcOrd="0" destOrd="0"/>
-        <dgm:cxn modelId="4" srcId="0" destId="2" srcOrd="1" destOrd="0"/>
-      </dgm:cxnLst>
-      <dgm:bg/>
-      <dgm:whole/>
-    </dgm:dataModel>
-  </dgm:styleData>
-  <dgm:clrData>
-    <dgm:dataModel>
-      <dgm:ptLst>
-        <dgm:pt modelId="0" type="doc"/>
-        <dgm:pt modelId="1"/>
-        <dgm:pt modelId="2"/>
-        <dgm:pt modelId="3"/>
-        <dgm:pt modelId="4"/>
-      </dgm:ptLst>
-      <dgm:cxnLst>
-        <dgm:cxn modelId="5" srcId="0" destId="1" srcOrd="0" destOrd="0"/>
-        <dgm:cxn modelId="6" srcId="0" destId="2" srcOrd="1" destOrd="0"/>
-        <dgm:cxn modelId="7" srcId="0" destId="3" srcOrd="2" destOrd="0"/>
-        <dgm:cxn modelId="8" srcId="0" destId="4" srcOrd="3" destOrd="0"/>
-      </dgm:cxnLst>
-      <dgm:bg/>
-      <dgm:whole/>
-    </dgm:dataModel>
-  </dgm:clrData>
-  <dgm:layoutNode name="Name0">
-    <dgm:varLst>
-      <dgm:dir/>
-      <dgm:animLvl val="lvl"/>
-      <dgm:resizeHandles val="exact"/>
-    </dgm:varLst>
-    <dgm:choose name="Name1">
-      <dgm:if name="Name2" func="var" arg="dir" op="equ" val="norm">
-        <dgm:alg type="lin"/>
-      </dgm:if>
-      <dgm:else name="Name3">
-        <dgm:alg type="lin">
-          <dgm:param type="linDir" val="fromR"/>
-        </dgm:alg>
-      </dgm:else>
-    </dgm:choose>
-    <dgm:shape xmlns:r="http://schemas.openxmlformats.org/officeDocument/2006/relationships" r:blip="">
-      <dgm:adjLst/>
-    </dgm:shape>
-    <dgm:presOf/>
-    <dgm:choose name="Name4">
-      <dgm:if name="Name5" axis="des" func="maxDepth" op="gte" val="2">
-        <dgm:constrLst>
-          <dgm:constr type="h" for="ch" forName="composite" refType="h"/>
-          <dgm:constr type="w" for="ch" forName="composite" refType="w"/>
-          <dgm:constr type="w" for="des" forName="parTx"/>
-          <dgm:constr type="h" for="des" forName="parTx" op="equ"/>
-          <dgm:constr type="w" for="des" forName="desTx"/>
-          <dgm:constr type="h" for="des" forName="desTx" op="equ"/>
-          <dgm:constr type="primFontSz" for="des" forName="parTx" val="65"/>
-          <dgm:constr type="secFontSz" for="des" forName="desTx" refType="primFontSz" refFor="des" refForName="parTx" op="equ"/>
-          <dgm:constr type="h" for="des" forName="parTx" refType="primFontSz" refFor="des" refForName="parTx" fact="1.5"/>
-          <dgm:constr type="h" for="des" forName="desTx" refType="primFontSz" refFor="des" refForName="parTx" fact="0.5"/>
-          <dgm:constr type="w" for="ch" forName="space" op="equ" val="-6"/>
-        </dgm:constrLst>
-        <dgm:ruleLst>
-          <dgm:rule type="w" for="ch" forName="composite" val="0" fact="NaN" max="NaN"/>
-          <dgm:rule type="primFontSz" for="des" forName="parTx" val="5" fact="NaN" max="NaN"/>
-        </dgm:ruleLst>
-        <dgm:forEach name="Name6" axis="ch" ptType="node">
-          <dgm:layoutNode name="composite">
-            <dgm:alg type="composite"/>
-            <dgm:shape xmlns:r="http://schemas.openxmlformats.org/officeDocument/2006/relationships" r:blip="">
-              <dgm:adjLst/>
-            </dgm:shape>
-            <dgm:presOf/>
-            <dgm:choose name="Name7">
-              <dgm:if name="Name8" func="var" arg="dir" op="equ" val="norm">
-                <dgm:constrLst>
-                  <dgm:constr type="l" for="ch" forName="parTx"/>
-                  <dgm:constr type="w" for="ch" forName="parTx" refType="w"/>
-                  <dgm:constr type="t" for="ch" forName="parTx"/>
-                  <dgm:constr type="l" for="ch" forName="desTx"/>
-                  <dgm:constr type="w" for="ch" forName="desTx" refType="w" refFor="ch" refForName="parTx" fact="0.8"/>
-                  <dgm:constr type="t" for="ch" forName="desTx" refType="h" refFor="ch" refForName="parTx" fact="1.125"/>
-                </dgm:constrLst>
-              </dgm:if>
-              <dgm:else name="Name9">
-                <dgm:constrLst>
-                  <dgm:constr type="l" for="ch" forName="parTx"/>
-                  <dgm:constr type="w" for="ch" forName="parTx" refType="w"/>
-                  <dgm:constr type="t" for="ch" forName="parTx"/>
-                  <dgm:constr type="l" for="ch" forName="desTx" refType="w" fact="0.2"/>
-                  <dgm:constr type="w" for="ch" forName="desTx" refType="w" refFor="ch" refForName="parTx" fact="0.8"/>
-                  <dgm:constr type="t" for="ch" forName="desTx" refType="h" refFor="ch" refForName="parTx" fact="1.125"/>
-                </dgm:constrLst>
-              </dgm:else>
-            </dgm:choose>
-            <dgm:ruleLst>
-              <dgm:rule type="h" val="INF" fact="NaN" max="NaN"/>
-            </dgm:ruleLst>
-            <dgm:layoutNode name="parTx">
-              <dgm:varLst>
-                <dgm:chMax val="0"/>
-                <dgm:chPref val="0"/>
-                <dgm:bulletEnabled val="1"/>
-              </dgm:varLst>
-              <dgm:alg type="tx"/>
-              <dgm:choose name="Name10">
-                <dgm:if name="Name11" func="var" arg="dir" op="equ" val="norm">
-                  <dgm:shape xmlns:r="http://schemas.openxmlformats.org/officeDocument/2006/relationships" type="chevron" r:blip="">
-                    <dgm:adjLst/>
-                  </dgm:shape>
-                </dgm:if>
-                <dgm:else name="Name12">
-                  <dgm:shape xmlns:r="http://schemas.openxmlformats.org/officeDocument/2006/relationships" rot="180" type="chevron" r:blip="">
-                    <dgm:adjLst/>
-                  </dgm:shape>
-                </dgm:else>
-              </dgm:choose>
-              <dgm:presOf axis="self" ptType="node"/>
-              <dgm:choose name="Name13">
-                <dgm:if name="Name14" func="var" arg="dir" op="equ" val="norm">
-                  <dgm:constrLst>
-                    <dgm:constr type="h" refType="w" op="lte" fact="0.4"/>
-                    <dgm:constr type="h"/>
-                    <dgm:constr type="tMarg" refType="primFontSz" fact="0.105"/>
-                    <dgm:constr type="bMarg" refType="primFontSz" fact="0.105"/>
-                    <dgm:constr type="lMarg" refType="primFontSz" fact="0.315"/>
-                    <dgm:constr type="rMarg" refType="primFontSz" fact="0.105"/>
-                  </dgm:constrLst>
-                </dgm:if>
-                <dgm:else name="Name15">
-                  <dgm:constrLst>
-                    <dgm:constr type="h" refType="w" op="lte" fact="0.4"/>
-                    <dgm:constr type="h"/>
-                    <dgm:constr type="tMarg" refType="primFontSz" fact="0.105"/>
-                    <dgm:constr type="bMarg" refType="primFontSz" fact="0.105"/>
-                    <dgm:constr type="lMarg" refType="primFontSz" fact="0.105"/>
-                    <dgm:constr type="rMarg" refType="primFontSz" fact="0.315"/>
-                  </dgm:constrLst>
-                </dgm:else>
-              </dgm:choose>
-              <dgm:ruleLst>
-                <dgm:rule type="h" val="INF" fact="NaN" max="NaN"/>
-              </dgm:ruleLst>
-            </dgm:layoutNode>
-            <dgm:layoutNode name="desTx" styleLbl="revTx">
-              <dgm:varLst>
-                <dgm:bulletEnabled val="1"/>
-              </dgm:varLst>
-              <dgm:alg type="tx">
-                <dgm:param type="stBulletLvl" val="1"/>
-              </dgm:alg>
-              <dgm:choose name="Name16">
-                <dgm:if name="Name17" axis="ch" ptType="node" func="cnt" op="gte" val="1">
-                  <dgm:shape xmlns:r="http://schemas.openxmlformats.org/officeDocument/2006/relationships" type="rect" r:blip="">
-                    <dgm:adjLst/>
-                  </dgm:shape>
-                </dgm:if>
-                <dgm:else name="Name18">
-                  <dgm:shape xmlns:r="http://schemas.openxmlformats.org/officeDocument/2006/relationships" type="rect" r:blip="" hideGeom="1">
-                    <dgm:adjLst/>
-                  </dgm:shape>
-                </dgm:else>
-              </dgm:choose>
-              <dgm:presOf axis="des" ptType="node"/>
-              <dgm:constrLst>
-                <dgm:constr type="secFontSz" val="65"/>
-                <dgm:constr type="primFontSz" refType="secFontSz"/>
-                <dgm:constr type="h"/>
-                <dgm:constr type="tMarg"/>
-                <dgm:constr type="bMarg"/>
-                <dgm:constr type="rMarg"/>
-                <dgm:constr type="lMarg"/>
-              </dgm:constrLst>
-              <dgm:ruleLst>
-                <dgm:rule type="h" val="INF" fact="NaN" max="NaN"/>
-              </dgm:ruleLst>
-            </dgm:layoutNode>
-          </dgm:layoutNode>
-          <dgm:forEach name="Name19" axis="followSib" ptType="sibTrans" cnt="1">
-            <dgm:layoutNode name="space">
-              <dgm:alg type="sp"/>
-              <dgm:shape xmlns:r="http://schemas.openxmlformats.org/officeDocument/2006/relationships" r:blip="">
-                <dgm:adjLst/>
-              </dgm:shape>
-              <dgm:presOf/>
-              <dgm:constrLst/>
-              <dgm:ruleLst/>
-            </dgm:layoutNode>
-          </dgm:forEach>
-        </dgm:forEach>
-      </dgm:if>
-      <dgm:else name="Name20">
-        <dgm:constrLst>
-          <dgm:constr type="w" for="ch" forName="parTxOnly" refType="w"/>
-          <dgm:constr type="h" for="des" forName="parTxOnly" op="equ"/>
-          <dgm:constr type="primFontSz" for="des" forName="parTxOnly" op="equ" val="65"/>
-          <dgm:constr type="w" for="ch" forName="parTxOnlySpace" refType="w" refFor="ch" refForName="parTxOnly" fact="-0.1"/>
-        </dgm:constrLst>
-        <dgm:ruleLst/>
-        <dgm:forEach name="Name21" axis="ch" ptType="node">
-          <dgm:layoutNode name="parTxOnly">
-            <dgm:varLst>
-              <dgm:chMax val="0"/>
-              <dgm:chPref val="0"/>
-              <dgm:bulletEnabled val="1"/>
-            </dgm:varLst>
-            <dgm:alg type="tx"/>
-            <dgm:choose name="Name22">
-              <dgm:if name="Name23" func="var" arg="dir" op="equ" val="norm">
-                <dgm:shape xmlns:r="http://schemas.openxmlformats.org/officeDocument/2006/relationships" type="chevron" r:blip="">
-                  <dgm:adjLst/>
-                </dgm:shape>
-              </dgm:if>
-              <dgm:else name="Name24">
-                <dgm:shape xmlns:r="http://schemas.openxmlformats.org/officeDocument/2006/relationships" rot="180" type="chevron" r:blip="">
-                  <dgm:adjLst/>
-                </dgm:shape>
-              </dgm:else>
-            </dgm:choose>
-            <dgm:presOf axis="self" ptType="node"/>
-            <dgm:choose name="Name25">
-              <dgm:if name="Name26" func="var" arg="dir" op="equ" val="norm">
-                <dgm:constrLst>
-                  <dgm:constr type="h" refType="w" op="equ" fact="0.4"/>
-                  <dgm:constr type="tMarg" refType="primFontSz" fact="0.105"/>
-                  <dgm:constr type="bMarg" refType="primFontSz" fact="0.105"/>
-                  <dgm:constr type="lMarg" refType="primFontSz" fact="0.315"/>
-                  <dgm:constr type="rMarg" refType="primFontSz" fact="0.105"/>
-                </dgm:constrLst>
-              </dgm:if>
-              <dgm:else name="Name27">
-                <dgm:constrLst>
-                  <dgm:constr type="h" refType="w" op="equ" fact="0.4"/>
-                  <dgm:constr type="tMarg" refType="primFontSz" fact="0.105"/>
-                  <dgm:constr type="bMarg" refType="primFontSz" fact="0.105"/>
-                  <dgm:constr type="lMarg" refType="primFontSz" fact="0.105"/>
-                  <dgm:constr type="rMarg" refType="primFontSz" fact="0.315"/>
-                </dgm:constrLst>
-              </dgm:else>
-            </dgm:choose>
-            <dgm:ruleLst>
-              <dgm:rule type="primFontSz" val="5" fact="NaN" max="NaN"/>
-            </dgm:ruleLst>
-          </dgm:layoutNode>
-          <dgm:forEach name="Name28" axis="followSib" ptType="sibTrans" cnt="1">
-            <dgm:layoutNode name="parTxOnlySpace">
-              <dgm:alg type="sp"/>
-              <dgm:shape xmlns:r="http://schemas.openxmlformats.org/officeDocument/2006/relationships" r:blip="">
-                <dgm:adjLst/>
-              </dgm:shape>
-              <dgm:presOf/>
-              <dgm:constrLst/>
-              <dgm:ruleLst/>
-            </dgm:layoutNode>
-          </dgm:forEach>
-        </dgm:forEach>
-      </dgm:else>
-    </dgm:choose>
-  </dgm:layoutNode>
-</dgm:layoutDef>
-</file>
-
 <file path=ppt/diagrams/quickStyle1.xml><?xml version="1.0" encoding="utf-8"?>
 <dgm:styleDef xmlns:dgm="http://schemas.openxmlformats.org/drawingml/2006/diagram" xmlns:a="http://schemas.openxmlformats.org/drawingml/2006/main" uniqueId="urn:microsoft.com/office/officeart/2005/8/quickstyle/simple1">
   <dgm:title val=""/>
@@ -20858,1040 +19247,6 @@
 </file>
 
 <file path=ppt/diagrams/quickStyle5.xml><?xml version="1.0" encoding="utf-8"?>
-<dgm:styleDef xmlns:dgm="http://schemas.openxmlformats.org/drawingml/2006/diagram" xmlns:a="http://schemas.openxmlformats.org/drawingml/2006/main" uniqueId="urn:microsoft.com/office/officeart/2005/8/quickstyle/simple1">
-  <dgm:title val=""/>
-  <dgm:desc val=""/>
-  <dgm:catLst>
-    <dgm:cat type="simple" pri="10100"/>
-  </dgm:catLst>
-  <dgm:scene3d>
-    <a:camera prst="orthographicFront"/>
-    <a:lightRig rig="threePt" dir="t"/>
-  </dgm:scene3d>
-  <dgm:styleLbl name="node0">
-    <dgm:scene3d>
-      <a:camera prst="orthographicFront"/>
-      <a:lightRig rig="threePt" dir="t"/>
-    </dgm:scene3d>
-    <dgm:sp3d/>
-    <dgm:txPr/>
-    <dgm:style>
-      <a:lnRef idx="2">
-        <a:scrgbClr r="0" g="0" b="0"/>
-      </a:lnRef>
-      <a:fillRef idx="1">
-        <a:scrgbClr r="0" g="0" b="0"/>
-      </a:fillRef>
-      <a:effectRef idx="0">
-        <a:scrgbClr r="0" g="0" b="0"/>
-      </a:effectRef>
-      <a:fontRef idx="minor">
-        <a:schemeClr val="lt1"/>
-      </a:fontRef>
-    </dgm:style>
-  </dgm:styleLbl>
-  <dgm:styleLbl name="lnNode1">
-    <dgm:scene3d>
-      <a:camera prst="orthographicFront"/>
-      <a:lightRig rig="threePt" dir="t"/>
-    </dgm:scene3d>
-    <dgm:sp3d/>
-    <dgm:txPr/>
-    <dgm:style>
-      <a:lnRef idx="2">
-        <a:scrgbClr r="0" g="0" b="0"/>
-      </a:lnRef>
-      <a:fillRef idx="1">
-        <a:scrgbClr r="0" g="0" b="0"/>
-      </a:fillRef>
-      <a:effectRef idx="0">
-        <a:scrgbClr r="0" g="0" b="0"/>
-      </a:effectRef>
-      <a:fontRef idx="minor">
-        <a:schemeClr val="lt1"/>
-      </a:fontRef>
-    </dgm:style>
-  </dgm:styleLbl>
-  <dgm:styleLbl name="vennNode1">
-    <dgm:scene3d>
-      <a:camera prst="orthographicFront"/>
-      <a:lightRig rig="threePt" dir="t"/>
-    </dgm:scene3d>
-    <dgm:sp3d/>
-    <dgm:txPr/>
-    <dgm:style>
-      <a:lnRef idx="2">
-        <a:scrgbClr r="0" g="0" b="0"/>
-      </a:lnRef>
-      <a:fillRef idx="1">
-        <a:scrgbClr r="0" g="0" b="0"/>
-      </a:fillRef>
-      <a:effectRef idx="0">
-        <a:scrgbClr r="0" g="0" b="0"/>
-      </a:effectRef>
-      <a:fontRef idx="minor">
-        <a:schemeClr val="tx1"/>
-      </a:fontRef>
-    </dgm:style>
-  </dgm:styleLbl>
-  <dgm:styleLbl name="alignNode1">
-    <dgm:scene3d>
-      <a:camera prst="orthographicFront"/>
-      <a:lightRig rig="threePt" dir="t"/>
-    </dgm:scene3d>
-    <dgm:sp3d/>
-    <dgm:txPr/>
-    <dgm:style>
-      <a:lnRef idx="2">
-        <a:scrgbClr r="0" g="0" b="0"/>
-      </a:lnRef>
-      <a:fillRef idx="1">
-        <a:scrgbClr r="0" g="0" b="0"/>
-      </a:fillRef>
-      <a:effectRef idx="0">
-        <a:scrgbClr r="0" g="0" b="0"/>
-      </a:effectRef>
-      <a:fontRef idx="minor">
-        <a:schemeClr val="lt1"/>
-      </a:fontRef>
-    </dgm:style>
-  </dgm:styleLbl>
-  <dgm:styleLbl name="node1">
-    <dgm:scene3d>
-      <a:camera prst="orthographicFront"/>
-      <a:lightRig rig="threePt" dir="t"/>
-    </dgm:scene3d>
-    <dgm:sp3d/>
-    <dgm:txPr/>
-    <dgm:style>
-      <a:lnRef idx="2">
-        <a:scrgbClr r="0" g="0" b="0"/>
-      </a:lnRef>
-      <a:fillRef idx="1">
-        <a:scrgbClr r="0" g="0" b="0"/>
-      </a:fillRef>
-      <a:effectRef idx="0">
-        <a:scrgbClr r="0" g="0" b="0"/>
-      </a:effectRef>
-      <a:fontRef idx="minor">
-        <a:schemeClr val="lt1"/>
-      </a:fontRef>
-    </dgm:style>
-  </dgm:styleLbl>
-  <dgm:styleLbl name="node2">
-    <dgm:scene3d>
-      <a:camera prst="orthographicFront"/>
-      <a:lightRig rig="threePt" dir="t"/>
-    </dgm:scene3d>
-    <dgm:sp3d/>
-    <dgm:txPr/>
-    <dgm:style>
-      <a:lnRef idx="2">
-        <a:scrgbClr r="0" g="0" b="0"/>
-      </a:lnRef>
-      <a:fillRef idx="1">
-        <a:scrgbClr r="0" g="0" b="0"/>
-      </a:fillRef>
-      <a:effectRef idx="0">
-        <a:scrgbClr r="0" g="0" b="0"/>
-      </a:effectRef>
-      <a:fontRef idx="minor">
-        <a:schemeClr val="lt1"/>
-      </a:fontRef>
-    </dgm:style>
-  </dgm:styleLbl>
-  <dgm:styleLbl name="node3">
-    <dgm:scene3d>
-      <a:camera prst="orthographicFront"/>
-      <a:lightRig rig="threePt" dir="t"/>
-    </dgm:scene3d>
-    <dgm:sp3d/>
-    <dgm:txPr/>
-    <dgm:style>
-      <a:lnRef idx="2">
-        <a:scrgbClr r="0" g="0" b="0"/>
-      </a:lnRef>
-      <a:fillRef idx="1">
-        <a:scrgbClr r="0" g="0" b="0"/>
-      </a:fillRef>
-      <a:effectRef idx="0">
-        <a:scrgbClr r="0" g="0" b="0"/>
-      </a:effectRef>
-      <a:fontRef idx="minor">
-        <a:schemeClr val="lt1"/>
-      </a:fontRef>
-    </dgm:style>
-  </dgm:styleLbl>
-  <dgm:styleLbl name="node4">
-    <dgm:scene3d>
-      <a:camera prst="orthographicFront"/>
-      <a:lightRig rig="threePt" dir="t"/>
-    </dgm:scene3d>
-    <dgm:sp3d/>
-    <dgm:txPr/>
-    <dgm:style>
-      <a:lnRef idx="2">
-        <a:scrgbClr r="0" g="0" b="0"/>
-      </a:lnRef>
-      <a:fillRef idx="1">
-        <a:scrgbClr r="0" g="0" b="0"/>
-      </a:fillRef>
-      <a:effectRef idx="0">
-        <a:scrgbClr r="0" g="0" b="0"/>
-      </a:effectRef>
-      <a:fontRef idx="minor">
-        <a:schemeClr val="lt1"/>
-      </a:fontRef>
-    </dgm:style>
-  </dgm:styleLbl>
-  <dgm:styleLbl name="fgImgPlace1">
-    <dgm:scene3d>
-      <a:camera prst="orthographicFront"/>
-      <a:lightRig rig="threePt" dir="t"/>
-    </dgm:scene3d>
-    <dgm:sp3d/>
-    <dgm:txPr/>
-    <dgm:style>
-      <a:lnRef idx="2">
-        <a:scrgbClr r="0" g="0" b="0"/>
-      </a:lnRef>
-      <a:fillRef idx="1">
-        <a:scrgbClr r="0" g="0" b="0"/>
-      </a:fillRef>
-      <a:effectRef idx="0">
-        <a:scrgbClr r="0" g="0" b="0"/>
-      </a:effectRef>
-      <a:fontRef idx="minor"/>
-    </dgm:style>
-  </dgm:styleLbl>
-  <dgm:styleLbl name="alignImgPlace1">
-    <dgm:scene3d>
-      <a:camera prst="orthographicFront"/>
-      <a:lightRig rig="threePt" dir="t"/>
-    </dgm:scene3d>
-    <dgm:sp3d/>
-    <dgm:txPr/>
-    <dgm:style>
-      <a:lnRef idx="2">
-        <a:scrgbClr r="0" g="0" b="0"/>
-      </a:lnRef>
-      <a:fillRef idx="1">
-        <a:scrgbClr r="0" g="0" b="0"/>
-      </a:fillRef>
-      <a:effectRef idx="0">
-        <a:scrgbClr r="0" g="0" b="0"/>
-      </a:effectRef>
-      <a:fontRef idx="minor"/>
-    </dgm:style>
-  </dgm:styleLbl>
-  <dgm:styleLbl name="bgImgPlace1">
-    <dgm:scene3d>
-      <a:camera prst="orthographicFront"/>
-      <a:lightRig rig="threePt" dir="t"/>
-    </dgm:scene3d>
-    <dgm:sp3d/>
-    <dgm:txPr/>
-    <dgm:style>
-      <a:lnRef idx="2">
-        <a:scrgbClr r="0" g="0" b="0"/>
-      </a:lnRef>
-      <a:fillRef idx="1">
-        <a:scrgbClr r="0" g="0" b="0"/>
-      </a:fillRef>
-      <a:effectRef idx="0">
-        <a:scrgbClr r="0" g="0" b="0"/>
-      </a:effectRef>
-      <a:fontRef idx="minor"/>
-    </dgm:style>
-  </dgm:styleLbl>
-  <dgm:styleLbl name="sibTrans2D1">
-    <dgm:scene3d>
-      <a:camera prst="orthographicFront"/>
-      <a:lightRig rig="threePt" dir="t"/>
-    </dgm:scene3d>
-    <dgm:sp3d/>
-    <dgm:txPr/>
-    <dgm:style>
-      <a:lnRef idx="0">
-        <a:scrgbClr r="0" g="0" b="0"/>
-      </a:lnRef>
-      <a:fillRef idx="1">
-        <a:scrgbClr r="0" g="0" b="0"/>
-      </a:fillRef>
-      <a:effectRef idx="0">
-        <a:scrgbClr r="0" g="0" b="0"/>
-      </a:effectRef>
-      <a:fontRef idx="minor">
-        <a:schemeClr val="lt1"/>
-      </a:fontRef>
-    </dgm:style>
-  </dgm:styleLbl>
-  <dgm:styleLbl name="fgSibTrans2D1">
-    <dgm:scene3d>
-      <a:camera prst="orthographicFront"/>
-      <a:lightRig rig="threePt" dir="t"/>
-    </dgm:scene3d>
-    <dgm:sp3d/>
-    <dgm:txPr/>
-    <dgm:style>
-      <a:lnRef idx="0">
-        <a:scrgbClr r="0" g="0" b="0"/>
-      </a:lnRef>
-      <a:fillRef idx="1">
-        <a:scrgbClr r="0" g="0" b="0"/>
-      </a:fillRef>
-      <a:effectRef idx="0">
-        <a:scrgbClr r="0" g="0" b="0"/>
-      </a:effectRef>
-      <a:fontRef idx="minor">
-        <a:schemeClr val="lt1"/>
-      </a:fontRef>
-    </dgm:style>
-  </dgm:styleLbl>
-  <dgm:styleLbl name="bgSibTrans2D1">
-    <dgm:scene3d>
-      <a:camera prst="orthographicFront"/>
-      <a:lightRig rig="threePt" dir="t"/>
-    </dgm:scene3d>
-    <dgm:sp3d/>
-    <dgm:txPr/>
-    <dgm:style>
-      <a:lnRef idx="0">
-        <a:scrgbClr r="0" g="0" b="0"/>
-      </a:lnRef>
-      <a:fillRef idx="1">
-        <a:scrgbClr r="0" g="0" b="0"/>
-      </a:fillRef>
-      <a:effectRef idx="0">
-        <a:scrgbClr r="0" g="0" b="0"/>
-      </a:effectRef>
-      <a:fontRef idx="minor">
-        <a:schemeClr val="lt1"/>
-      </a:fontRef>
-    </dgm:style>
-  </dgm:styleLbl>
-  <dgm:styleLbl name="sibTrans1D1">
-    <dgm:scene3d>
-      <a:camera prst="orthographicFront"/>
-      <a:lightRig rig="threePt" dir="t"/>
-    </dgm:scene3d>
-    <dgm:sp3d/>
-    <dgm:txPr/>
-    <dgm:style>
-      <a:lnRef idx="1">
-        <a:scrgbClr r="0" g="0" b="0"/>
-      </a:lnRef>
-      <a:fillRef idx="0">
-        <a:scrgbClr r="0" g="0" b="0"/>
-      </a:fillRef>
-      <a:effectRef idx="0">
-        <a:scrgbClr r="0" g="0" b="0"/>
-      </a:effectRef>
-      <a:fontRef idx="minor"/>
-    </dgm:style>
-  </dgm:styleLbl>
-  <dgm:styleLbl name="callout">
-    <dgm:scene3d>
-      <a:camera prst="orthographicFront"/>
-      <a:lightRig rig="threePt" dir="t"/>
-    </dgm:scene3d>
-    <dgm:sp3d/>
-    <dgm:txPr/>
-    <dgm:style>
-      <a:lnRef idx="2">
-        <a:scrgbClr r="0" g="0" b="0"/>
-      </a:lnRef>
-      <a:fillRef idx="1">
-        <a:scrgbClr r="0" g="0" b="0"/>
-      </a:fillRef>
-      <a:effectRef idx="0">
-        <a:scrgbClr r="0" g="0" b="0"/>
-      </a:effectRef>
-      <a:fontRef idx="minor"/>
-    </dgm:style>
-  </dgm:styleLbl>
-  <dgm:styleLbl name="asst0">
-    <dgm:scene3d>
-      <a:camera prst="orthographicFront"/>
-      <a:lightRig rig="threePt" dir="t"/>
-    </dgm:scene3d>
-    <dgm:sp3d/>
-    <dgm:txPr/>
-    <dgm:style>
-      <a:lnRef idx="2">
-        <a:scrgbClr r="0" g="0" b="0"/>
-      </a:lnRef>
-      <a:fillRef idx="1">
-        <a:scrgbClr r="0" g="0" b="0"/>
-      </a:fillRef>
-      <a:effectRef idx="0">
-        <a:scrgbClr r="0" g="0" b="0"/>
-      </a:effectRef>
-      <a:fontRef idx="minor">
-        <a:schemeClr val="lt1"/>
-      </a:fontRef>
-    </dgm:style>
-  </dgm:styleLbl>
-  <dgm:styleLbl name="asst1">
-    <dgm:scene3d>
-      <a:camera prst="orthographicFront"/>
-      <a:lightRig rig="threePt" dir="t"/>
-    </dgm:scene3d>
-    <dgm:sp3d/>
-    <dgm:txPr/>
-    <dgm:style>
-      <a:lnRef idx="2">
-        <a:scrgbClr r="0" g="0" b="0"/>
-      </a:lnRef>
-      <a:fillRef idx="1">
-        <a:scrgbClr r="0" g="0" b="0"/>
-      </a:fillRef>
-      <a:effectRef idx="0">
-        <a:scrgbClr r="0" g="0" b="0"/>
-      </a:effectRef>
-      <a:fontRef idx="minor">
-        <a:schemeClr val="lt1"/>
-      </a:fontRef>
-    </dgm:style>
-  </dgm:styleLbl>
-  <dgm:styleLbl name="asst2">
-    <dgm:scene3d>
-      <a:camera prst="orthographicFront"/>
-      <a:lightRig rig="threePt" dir="t"/>
-    </dgm:scene3d>
-    <dgm:sp3d/>
-    <dgm:txPr/>
-    <dgm:style>
-      <a:lnRef idx="2">
-        <a:scrgbClr r="0" g="0" b="0"/>
-      </a:lnRef>
-      <a:fillRef idx="1">
-        <a:scrgbClr r="0" g="0" b="0"/>
-      </a:fillRef>
-      <a:effectRef idx="0">
-        <a:scrgbClr r="0" g="0" b="0"/>
-      </a:effectRef>
-      <a:fontRef idx="minor">
-        <a:schemeClr val="lt1"/>
-      </a:fontRef>
-    </dgm:style>
-  </dgm:styleLbl>
-  <dgm:styleLbl name="asst3">
-    <dgm:scene3d>
-      <a:camera prst="orthographicFront"/>
-      <a:lightRig rig="threePt" dir="t"/>
-    </dgm:scene3d>
-    <dgm:sp3d/>
-    <dgm:txPr/>
-    <dgm:style>
-      <a:lnRef idx="2">
-        <a:scrgbClr r="0" g="0" b="0"/>
-      </a:lnRef>
-      <a:fillRef idx="1">
-        <a:scrgbClr r="0" g="0" b="0"/>
-      </a:fillRef>
-      <a:effectRef idx="0">
-        <a:scrgbClr r="0" g="0" b="0"/>
-      </a:effectRef>
-      <a:fontRef idx="minor">
-        <a:schemeClr val="lt1"/>
-      </a:fontRef>
-    </dgm:style>
-  </dgm:styleLbl>
-  <dgm:styleLbl name="asst4">
-    <dgm:scene3d>
-      <a:camera prst="orthographicFront"/>
-      <a:lightRig rig="threePt" dir="t"/>
-    </dgm:scene3d>
-    <dgm:sp3d/>
-    <dgm:txPr/>
-    <dgm:style>
-      <a:lnRef idx="2">
-        <a:scrgbClr r="0" g="0" b="0"/>
-      </a:lnRef>
-      <a:fillRef idx="1">
-        <a:scrgbClr r="0" g="0" b="0"/>
-      </a:fillRef>
-      <a:effectRef idx="0">
-        <a:scrgbClr r="0" g="0" b="0"/>
-      </a:effectRef>
-      <a:fontRef idx="minor">
-        <a:schemeClr val="lt1"/>
-      </a:fontRef>
-    </dgm:style>
-  </dgm:styleLbl>
-  <dgm:styleLbl name="parChTrans2D1">
-    <dgm:scene3d>
-      <a:camera prst="orthographicFront"/>
-      <a:lightRig rig="threePt" dir="t"/>
-    </dgm:scene3d>
-    <dgm:sp3d/>
-    <dgm:txPr/>
-    <dgm:style>
-      <a:lnRef idx="2">
-        <a:scrgbClr r="0" g="0" b="0"/>
-      </a:lnRef>
-      <a:fillRef idx="1">
-        <a:scrgbClr r="0" g="0" b="0"/>
-      </a:fillRef>
-      <a:effectRef idx="0">
-        <a:scrgbClr r="0" g="0" b="0"/>
-      </a:effectRef>
-      <a:fontRef idx="minor">
-        <a:schemeClr val="lt1"/>
-      </a:fontRef>
-    </dgm:style>
-  </dgm:styleLbl>
-  <dgm:styleLbl name="parChTrans2D2">
-    <dgm:scene3d>
-      <a:camera prst="orthographicFront"/>
-      <a:lightRig rig="threePt" dir="t"/>
-    </dgm:scene3d>
-    <dgm:sp3d/>
-    <dgm:txPr/>
-    <dgm:style>
-      <a:lnRef idx="2">
-        <a:scrgbClr r="0" g="0" b="0"/>
-      </a:lnRef>
-      <a:fillRef idx="1">
-        <a:scrgbClr r="0" g="0" b="0"/>
-      </a:fillRef>
-      <a:effectRef idx="0">
-        <a:scrgbClr r="0" g="0" b="0"/>
-      </a:effectRef>
-      <a:fontRef idx="minor">
-        <a:schemeClr val="lt1"/>
-      </a:fontRef>
-    </dgm:style>
-  </dgm:styleLbl>
-  <dgm:styleLbl name="parChTrans2D3">
-    <dgm:scene3d>
-      <a:camera prst="orthographicFront"/>
-      <a:lightRig rig="threePt" dir="t"/>
-    </dgm:scene3d>
-    <dgm:sp3d/>
-    <dgm:txPr/>
-    <dgm:style>
-      <a:lnRef idx="2">
-        <a:scrgbClr r="0" g="0" b="0"/>
-      </a:lnRef>
-      <a:fillRef idx="1">
-        <a:scrgbClr r="0" g="0" b="0"/>
-      </a:fillRef>
-      <a:effectRef idx="0">
-        <a:scrgbClr r="0" g="0" b="0"/>
-      </a:effectRef>
-      <a:fontRef idx="minor">
-        <a:schemeClr val="lt1"/>
-      </a:fontRef>
-    </dgm:style>
-  </dgm:styleLbl>
-  <dgm:styleLbl name="parChTrans2D4">
-    <dgm:scene3d>
-      <a:camera prst="orthographicFront"/>
-      <a:lightRig rig="threePt" dir="t"/>
-    </dgm:scene3d>
-    <dgm:sp3d/>
-    <dgm:txPr/>
-    <dgm:style>
-      <a:lnRef idx="2">
-        <a:scrgbClr r="0" g="0" b="0"/>
-      </a:lnRef>
-      <a:fillRef idx="1">
-        <a:scrgbClr r="0" g="0" b="0"/>
-      </a:fillRef>
-      <a:effectRef idx="0">
-        <a:scrgbClr r="0" g="0" b="0"/>
-      </a:effectRef>
-      <a:fontRef idx="minor">
-        <a:schemeClr val="lt1"/>
-      </a:fontRef>
-    </dgm:style>
-  </dgm:styleLbl>
-  <dgm:styleLbl name="parChTrans1D1">
-    <dgm:scene3d>
-      <a:camera prst="orthographicFront"/>
-      <a:lightRig rig="threePt" dir="t"/>
-    </dgm:scene3d>
-    <dgm:sp3d/>
-    <dgm:txPr/>
-    <dgm:style>
-      <a:lnRef idx="2">
-        <a:scrgbClr r="0" g="0" b="0"/>
-      </a:lnRef>
-      <a:fillRef idx="0">
-        <a:scrgbClr r="0" g="0" b="0"/>
-      </a:fillRef>
-      <a:effectRef idx="0">
-        <a:scrgbClr r="0" g="0" b="0"/>
-      </a:effectRef>
-      <a:fontRef idx="minor"/>
-    </dgm:style>
-  </dgm:styleLbl>
-  <dgm:styleLbl name="parChTrans1D2">
-    <dgm:scene3d>
-      <a:camera prst="orthographicFront"/>
-      <a:lightRig rig="threePt" dir="t"/>
-    </dgm:scene3d>
-    <dgm:sp3d/>
-    <dgm:txPr/>
-    <dgm:style>
-      <a:lnRef idx="2">
-        <a:scrgbClr r="0" g="0" b="0"/>
-      </a:lnRef>
-      <a:fillRef idx="0">
-        <a:scrgbClr r="0" g="0" b="0"/>
-      </a:fillRef>
-      <a:effectRef idx="0">
-        <a:scrgbClr r="0" g="0" b="0"/>
-      </a:effectRef>
-      <a:fontRef idx="minor"/>
-    </dgm:style>
-  </dgm:styleLbl>
-  <dgm:styleLbl name="parChTrans1D3">
-    <dgm:scene3d>
-      <a:camera prst="orthographicFront"/>
-      <a:lightRig rig="threePt" dir="t"/>
-    </dgm:scene3d>
-    <dgm:sp3d/>
-    <dgm:txPr/>
-    <dgm:style>
-      <a:lnRef idx="2">
-        <a:scrgbClr r="0" g="0" b="0"/>
-      </a:lnRef>
-      <a:fillRef idx="0">
-        <a:scrgbClr r="0" g="0" b="0"/>
-      </a:fillRef>
-      <a:effectRef idx="0">
-        <a:scrgbClr r="0" g="0" b="0"/>
-      </a:effectRef>
-      <a:fontRef idx="minor"/>
-    </dgm:style>
-  </dgm:styleLbl>
-  <dgm:styleLbl name="parChTrans1D4">
-    <dgm:scene3d>
-      <a:camera prst="orthographicFront"/>
-      <a:lightRig rig="threePt" dir="t"/>
-    </dgm:scene3d>
-    <dgm:sp3d/>
-    <dgm:txPr/>
-    <dgm:style>
-      <a:lnRef idx="2">
-        <a:scrgbClr r="0" g="0" b="0"/>
-      </a:lnRef>
-      <a:fillRef idx="0">
-        <a:scrgbClr r="0" g="0" b="0"/>
-      </a:fillRef>
-      <a:effectRef idx="0">
-        <a:scrgbClr r="0" g="0" b="0"/>
-      </a:effectRef>
-      <a:fontRef idx="minor"/>
-    </dgm:style>
-  </dgm:styleLbl>
-  <dgm:styleLbl name="fgAcc1">
-    <dgm:scene3d>
-      <a:camera prst="orthographicFront"/>
-      <a:lightRig rig="threePt" dir="t"/>
-    </dgm:scene3d>
-    <dgm:sp3d/>
-    <dgm:txPr/>
-    <dgm:style>
-      <a:lnRef idx="2">
-        <a:scrgbClr r="0" g="0" b="0"/>
-      </a:lnRef>
-      <a:fillRef idx="1">
-        <a:scrgbClr r="0" g="0" b="0"/>
-      </a:fillRef>
-      <a:effectRef idx="0">
-        <a:scrgbClr r="0" g="0" b="0"/>
-      </a:effectRef>
-      <a:fontRef idx="minor"/>
-    </dgm:style>
-  </dgm:styleLbl>
-  <dgm:styleLbl name="conFgAcc1">
-    <dgm:scene3d>
-      <a:camera prst="orthographicFront"/>
-      <a:lightRig rig="threePt" dir="t"/>
-    </dgm:scene3d>
-    <dgm:sp3d/>
-    <dgm:txPr/>
-    <dgm:style>
-      <a:lnRef idx="2">
-        <a:scrgbClr r="0" g="0" b="0"/>
-      </a:lnRef>
-      <a:fillRef idx="1">
-        <a:scrgbClr r="0" g="0" b="0"/>
-      </a:fillRef>
-      <a:effectRef idx="0">
-        <a:scrgbClr r="0" g="0" b="0"/>
-      </a:effectRef>
-      <a:fontRef idx="minor"/>
-    </dgm:style>
-  </dgm:styleLbl>
-  <dgm:styleLbl name="alignAcc1">
-    <dgm:scene3d>
-      <a:camera prst="orthographicFront"/>
-      <a:lightRig rig="threePt" dir="t"/>
-    </dgm:scene3d>
-    <dgm:sp3d/>
-    <dgm:txPr/>
-    <dgm:style>
-      <a:lnRef idx="2">
-        <a:scrgbClr r="0" g="0" b="0"/>
-      </a:lnRef>
-      <a:fillRef idx="1">
-        <a:scrgbClr r="0" g="0" b="0"/>
-      </a:fillRef>
-      <a:effectRef idx="0">
-        <a:scrgbClr r="0" g="0" b="0"/>
-      </a:effectRef>
-      <a:fontRef idx="minor"/>
-    </dgm:style>
-  </dgm:styleLbl>
-  <dgm:styleLbl name="trAlignAcc1">
-    <dgm:scene3d>
-      <a:camera prst="orthographicFront"/>
-      <a:lightRig rig="threePt" dir="t"/>
-    </dgm:scene3d>
-    <dgm:sp3d/>
-    <dgm:txPr/>
-    <dgm:style>
-      <a:lnRef idx="1">
-        <a:scrgbClr r="0" g="0" b="0"/>
-      </a:lnRef>
-      <a:fillRef idx="1">
-        <a:scrgbClr r="0" g="0" b="0"/>
-      </a:fillRef>
-      <a:effectRef idx="0">
-        <a:scrgbClr r="0" g="0" b="0"/>
-      </a:effectRef>
-      <a:fontRef idx="minor"/>
-    </dgm:style>
-  </dgm:styleLbl>
-  <dgm:styleLbl name="bgAcc1">
-    <dgm:scene3d>
-      <a:camera prst="orthographicFront"/>
-      <a:lightRig rig="threePt" dir="t"/>
-    </dgm:scene3d>
-    <dgm:sp3d/>
-    <dgm:txPr/>
-    <dgm:style>
-      <a:lnRef idx="2">
-        <a:scrgbClr r="0" g="0" b="0"/>
-      </a:lnRef>
-      <a:fillRef idx="1">
-        <a:scrgbClr r="0" g="0" b="0"/>
-      </a:fillRef>
-      <a:effectRef idx="0">
-        <a:scrgbClr r="0" g="0" b="0"/>
-      </a:effectRef>
-      <a:fontRef idx="minor"/>
-    </dgm:style>
-  </dgm:styleLbl>
-  <dgm:styleLbl name="solidFgAcc1">
-    <dgm:scene3d>
-      <a:camera prst="orthographicFront"/>
-      <a:lightRig rig="threePt" dir="t"/>
-    </dgm:scene3d>
-    <dgm:sp3d/>
-    <dgm:txPr/>
-    <dgm:style>
-      <a:lnRef idx="2">
-        <a:scrgbClr r="0" g="0" b="0"/>
-      </a:lnRef>
-      <a:fillRef idx="1">
-        <a:scrgbClr r="0" g="0" b="0"/>
-      </a:fillRef>
-      <a:effectRef idx="0">
-        <a:scrgbClr r="0" g="0" b="0"/>
-      </a:effectRef>
-      <a:fontRef idx="minor"/>
-    </dgm:style>
-  </dgm:styleLbl>
-  <dgm:styleLbl name="solidAlignAcc1">
-    <dgm:scene3d>
-      <a:camera prst="orthographicFront"/>
-      <a:lightRig rig="threePt" dir="t"/>
-    </dgm:scene3d>
-    <dgm:sp3d/>
-    <dgm:txPr/>
-    <dgm:style>
-      <a:lnRef idx="2">
-        <a:scrgbClr r="0" g="0" b="0"/>
-      </a:lnRef>
-      <a:fillRef idx="1">
-        <a:scrgbClr r="0" g="0" b="0"/>
-      </a:fillRef>
-      <a:effectRef idx="0">
-        <a:scrgbClr r="0" g="0" b="0"/>
-      </a:effectRef>
-      <a:fontRef idx="minor"/>
-    </dgm:style>
-  </dgm:styleLbl>
-  <dgm:styleLbl name="solidBgAcc1">
-    <dgm:scene3d>
-      <a:camera prst="orthographicFront"/>
-      <a:lightRig rig="threePt" dir="t"/>
-    </dgm:scene3d>
-    <dgm:sp3d/>
-    <dgm:txPr/>
-    <dgm:style>
-      <a:lnRef idx="2">
-        <a:scrgbClr r="0" g="0" b="0"/>
-      </a:lnRef>
-      <a:fillRef idx="1">
-        <a:scrgbClr r="0" g="0" b="0"/>
-      </a:fillRef>
-      <a:effectRef idx="0">
-        <a:scrgbClr r="0" g="0" b="0"/>
-      </a:effectRef>
-      <a:fontRef idx="minor"/>
-    </dgm:style>
-  </dgm:styleLbl>
-  <dgm:styleLbl name="fgAccFollowNode1">
-    <dgm:scene3d>
-      <a:camera prst="orthographicFront"/>
-      <a:lightRig rig="threePt" dir="t"/>
-    </dgm:scene3d>
-    <dgm:sp3d/>
-    <dgm:txPr/>
-    <dgm:style>
-      <a:lnRef idx="2">
-        <a:scrgbClr r="0" g="0" b="0"/>
-      </a:lnRef>
-      <a:fillRef idx="1">
-        <a:scrgbClr r="0" g="0" b="0"/>
-      </a:fillRef>
-      <a:effectRef idx="0">
-        <a:scrgbClr r="0" g="0" b="0"/>
-      </a:effectRef>
-      <a:fontRef idx="minor"/>
-    </dgm:style>
-  </dgm:styleLbl>
-  <dgm:styleLbl name="alignAccFollowNode1">
-    <dgm:scene3d>
-      <a:camera prst="orthographicFront"/>
-      <a:lightRig rig="threePt" dir="t"/>
-    </dgm:scene3d>
-    <dgm:sp3d/>
-    <dgm:txPr/>
-    <dgm:style>
-      <a:lnRef idx="2">
-        <a:scrgbClr r="0" g="0" b="0"/>
-      </a:lnRef>
-      <a:fillRef idx="1">
-        <a:scrgbClr r="0" g="0" b="0"/>
-      </a:fillRef>
-      <a:effectRef idx="0">
-        <a:scrgbClr r="0" g="0" b="0"/>
-      </a:effectRef>
-      <a:fontRef idx="minor"/>
-    </dgm:style>
-  </dgm:styleLbl>
-  <dgm:styleLbl name="bgAccFollowNode1">
-    <dgm:scene3d>
-      <a:camera prst="orthographicFront"/>
-      <a:lightRig rig="threePt" dir="t"/>
-    </dgm:scene3d>
-    <dgm:sp3d/>
-    <dgm:txPr/>
-    <dgm:style>
-      <a:lnRef idx="2">
-        <a:scrgbClr r="0" g="0" b="0"/>
-      </a:lnRef>
-      <a:fillRef idx="1">
-        <a:scrgbClr r="0" g="0" b="0"/>
-      </a:fillRef>
-      <a:effectRef idx="0">
-        <a:scrgbClr r="0" g="0" b="0"/>
-      </a:effectRef>
-      <a:fontRef idx="minor"/>
-    </dgm:style>
-  </dgm:styleLbl>
-  <dgm:styleLbl name="fgAcc0">
-    <dgm:scene3d>
-      <a:camera prst="orthographicFront"/>
-      <a:lightRig rig="threePt" dir="t"/>
-    </dgm:scene3d>
-    <dgm:sp3d/>
-    <dgm:txPr/>
-    <dgm:style>
-      <a:lnRef idx="2">
-        <a:scrgbClr r="0" g="0" b="0"/>
-      </a:lnRef>
-      <a:fillRef idx="1">
-        <a:scrgbClr r="0" g="0" b="0"/>
-      </a:fillRef>
-      <a:effectRef idx="0">
-        <a:scrgbClr r="0" g="0" b="0"/>
-      </a:effectRef>
-      <a:fontRef idx="minor"/>
-    </dgm:style>
-  </dgm:styleLbl>
-  <dgm:styleLbl name="fgAcc2">
-    <dgm:scene3d>
-      <a:camera prst="orthographicFront"/>
-      <a:lightRig rig="threePt" dir="t"/>
-    </dgm:scene3d>
-    <dgm:sp3d/>
-    <dgm:txPr/>
-    <dgm:style>
-      <a:lnRef idx="2">
-        <a:scrgbClr r="0" g="0" b="0"/>
-      </a:lnRef>
-      <a:fillRef idx="1">
-        <a:scrgbClr r="0" g="0" b="0"/>
-      </a:fillRef>
-      <a:effectRef idx="0">
-        <a:scrgbClr r="0" g="0" b="0"/>
-      </a:effectRef>
-      <a:fontRef idx="minor"/>
-    </dgm:style>
-  </dgm:styleLbl>
-  <dgm:styleLbl name="fgAcc3">
-    <dgm:scene3d>
-      <a:camera prst="orthographicFront"/>
-      <a:lightRig rig="threePt" dir="t"/>
-    </dgm:scene3d>
-    <dgm:sp3d/>
-    <dgm:txPr/>
-    <dgm:style>
-      <a:lnRef idx="2">
-        <a:scrgbClr r="0" g="0" b="0"/>
-      </a:lnRef>
-      <a:fillRef idx="1">
-        <a:scrgbClr r="0" g="0" b="0"/>
-      </a:fillRef>
-      <a:effectRef idx="0">
-        <a:scrgbClr r="0" g="0" b="0"/>
-      </a:effectRef>
-      <a:fontRef idx="minor"/>
-    </dgm:style>
-  </dgm:styleLbl>
-  <dgm:styleLbl name="fgAcc4">
-    <dgm:scene3d>
-      <a:camera prst="orthographicFront"/>
-      <a:lightRig rig="threePt" dir="t"/>
-    </dgm:scene3d>
-    <dgm:sp3d/>
-    <dgm:txPr/>
-    <dgm:style>
-      <a:lnRef idx="2">
-        <a:scrgbClr r="0" g="0" b="0"/>
-      </a:lnRef>
-      <a:fillRef idx="1">
-        <a:scrgbClr r="0" g="0" b="0"/>
-      </a:fillRef>
-      <a:effectRef idx="0">
-        <a:scrgbClr r="0" g="0" b="0"/>
-      </a:effectRef>
-      <a:fontRef idx="minor"/>
-    </dgm:style>
-  </dgm:styleLbl>
-  <dgm:styleLbl name="bgShp">
-    <dgm:scene3d>
-      <a:camera prst="orthographicFront"/>
-      <a:lightRig rig="threePt" dir="t"/>
-    </dgm:scene3d>
-    <dgm:sp3d/>
-    <dgm:txPr/>
-    <dgm:style>
-      <a:lnRef idx="0">
-        <a:scrgbClr r="0" g="0" b="0"/>
-      </a:lnRef>
-      <a:fillRef idx="1">
-        <a:scrgbClr r="0" g="0" b="0"/>
-      </a:fillRef>
-      <a:effectRef idx="0">
-        <a:scrgbClr r="0" g="0" b="0"/>
-      </a:effectRef>
-      <a:fontRef idx="minor"/>
-    </dgm:style>
-  </dgm:styleLbl>
-  <dgm:styleLbl name="dkBgShp">
-    <dgm:scene3d>
-      <a:camera prst="orthographicFront"/>
-      <a:lightRig rig="threePt" dir="t"/>
-    </dgm:scene3d>
-    <dgm:sp3d/>
-    <dgm:txPr/>
-    <dgm:style>
-      <a:lnRef idx="0">
-        <a:scrgbClr r="0" g="0" b="0"/>
-      </a:lnRef>
-      <a:fillRef idx="1">
-        <a:scrgbClr r="0" g="0" b="0"/>
-      </a:fillRef>
-      <a:effectRef idx="0">
-        <a:scrgbClr r="0" g="0" b="0"/>
-      </a:effectRef>
-      <a:fontRef idx="minor"/>
-    </dgm:style>
-  </dgm:styleLbl>
-  <dgm:styleLbl name="trBgShp">
-    <dgm:scene3d>
-      <a:camera prst="orthographicFront"/>
-      <a:lightRig rig="threePt" dir="t"/>
-    </dgm:scene3d>
-    <dgm:sp3d/>
-    <dgm:txPr/>
-    <dgm:style>
-      <a:lnRef idx="0">
-        <a:scrgbClr r="0" g="0" b="0"/>
-      </a:lnRef>
-      <a:fillRef idx="1">
-        <a:scrgbClr r="0" g="0" b="0"/>
-      </a:fillRef>
-      <a:effectRef idx="0">
-        <a:scrgbClr r="0" g="0" b="0"/>
-      </a:effectRef>
-      <a:fontRef idx="minor"/>
-    </dgm:style>
-  </dgm:styleLbl>
-  <dgm:styleLbl name="fgShp">
-    <dgm:scene3d>
-      <a:camera prst="orthographicFront"/>
-      <a:lightRig rig="threePt" dir="t"/>
-    </dgm:scene3d>
-    <dgm:sp3d/>
-    <dgm:txPr/>
-    <dgm:style>
-      <a:lnRef idx="2">
-        <a:scrgbClr r="0" g="0" b="0"/>
-      </a:lnRef>
-      <a:fillRef idx="1">
-        <a:scrgbClr r="0" g="0" b="0"/>
-      </a:fillRef>
-      <a:effectRef idx="0">
-        <a:scrgbClr r="0" g="0" b="0"/>
-      </a:effectRef>
-      <a:fontRef idx="minor"/>
-    </dgm:style>
-  </dgm:styleLbl>
-  <dgm:styleLbl name="revTx">
-    <dgm:scene3d>
-      <a:camera prst="orthographicFront"/>
-      <a:lightRig rig="threePt" dir="t"/>
-    </dgm:scene3d>
-    <dgm:sp3d/>
-    <dgm:txPr/>
-    <dgm:style>
-      <a:lnRef idx="0">
-        <a:scrgbClr r="0" g="0" b="0"/>
-      </a:lnRef>
-      <a:fillRef idx="0">
-        <a:scrgbClr r="0" g="0" b="0"/>
-      </a:fillRef>
-      <a:effectRef idx="0">
-        <a:scrgbClr r="0" g="0" b="0"/>
-      </a:effectRef>
-      <a:fontRef idx="minor"/>
-    </dgm:style>
-  </dgm:styleLbl>
-</dgm:styleDef>
-</file>
-
-<file path=ppt/diagrams/quickStyle6.xml><?xml version="1.0" encoding="utf-8"?>
 <dgm:styleDef xmlns:dgm="http://schemas.openxmlformats.org/drawingml/2006/diagram" xmlns:a="http://schemas.openxmlformats.org/drawingml/2006/main" uniqueId="urn:microsoft.com/office/officeart/2005/8/quickstyle/simple1">
   <dgm:title val=""/>
   <dgm:desc val=""/>
@@ -28730,7 +26085,7 @@
         </p:nvSpPr>
         <p:spPr>
           <a:xfrm>
-            <a:off x="123782" y="265316"/>
+            <a:off x="316706" y="299606"/>
             <a:ext cx="10903565" cy="1504335"/>
           </a:xfrm>
         </p:spPr>
@@ -28829,7 +26184,7 @@
         </p:nvSpPr>
         <p:spPr>
           <a:xfrm>
-            <a:off x="1214439" y="2324100"/>
+            <a:off x="1030287" y="2700866"/>
             <a:ext cx="10131425" cy="1456267"/>
           </a:xfrm>
         </p:spPr>
@@ -28840,7 +26195,7 @@
             <a:pPr algn="ctr"/>
             <a:r>
               <a:rPr lang="en-US" i="1" cap="none" dirty="0"/>
-              <a:t>Thank you </a:t>
+              <a:t>Questions?</a:t>
             </a:r>
           </a:p>
         </p:txBody>
@@ -29040,7 +26395,7 @@
         <p:spPr>
           <a:xfrm>
             <a:off x="414337" y="1708679"/>
-            <a:ext cx="10658476" cy="2862322"/>
+            <a:ext cx="10658476" cy="2308324"/>
           </a:xfrm>
           <a:prstGeom prst="rect">
             <a:avLst/>
@@ -29059,45 +26414,55 @@
             </a:pPr>
             <a:r>
               <a:rPr lang="en-US" sz="2400" dirty="0"/>
-              <a:t>Page Rank on social networking sites such as Twitter  to analyze how different posts have different influence</a:t>
+              <a:t>PageRank is presently utilized for a variety of applications:</a:t>
             </a:r>
           </a:p>
           <a:p>
+            <a:pPr marL="742950" lvl="1" indent="-285750">
+              <a:buFont typeface="Arial" panose="020B0604020202020204" pitchFamily="34" charset="0"/>
+              <a:buChar char="•"/>
+            </a:pPr>
             <a:endParaRPr lang="en-US" sz="2400" dirty="0"/>
           </a:p>
           <a:p>
-            <a:pPr marL="285750" indent="-285750">
+            <a:pPr marL="742950" lvl="1" indent="-285750">
               <a:buFont typeface="Arial" panose="020B0604020202020204" pitchFamily="34" charset="0"/>
               <a:buChar char="•"/>
             </a:pPr>
             <a:r>
               <a:rPr lang="en-US" sz="2400" dirty="0"/>
-              <a:t>A Restaurant recommendation system by analyzing rating and reviews</a:t>
+              <a:t>Google: Identifying the best possible results for a given search query.</a:t>
             </a:r>
           </a:p>
           <a:p>
-            <a:endParaRPr lang="en-US" sz="2400" dirty="0"/>
-          </a:p>
-          <a:p>
-            <a:pPr marL="285750" indent="-285750">
+            <a:pPr marL="742950" lvl="1" indent="-285750">
               <a:buFont typeface="Arial" panose="020B0604020202020204" pitchFamily="34" charset="0"/>
               <a:buChar char="•"/>
             </a:pPr>
             <a:r>
               <a:rPr lang="en-US" sz="2400" dirty="0"/>
-              <a:t>Movie data set analysis to obtain Top category or the Highest Rated movies</a:t>
+              <a:t>Twitter: Determining the best recommendations for people to follow.</a:t>
             </a:r>
-            <a:endParaRPr lang="en-US" dirty="0"/>
           </a:p>
           <a:p>
-            <a:endParaRPr lang="en-US" dirty="0"/>
-          </a:p>
-          <a:p>
-            <a:pPr marL="285750" indent="-285750">
+            <a:pPr marL="742950" lvl="1" indent="-285750">
               <a:buFont typeface="Arial" panose="020B0604020202020204" pitchFamily="34" charset="0"/>
               <a:buChar char="•"/>
             </a:pPr>
-            <a:endParaRPr lang="en-US" dirty="0"/>
+            <a:r>
+              <a:rPr lang="en-US" sz="2400" dirty="0"/>
+              <a:t>Sports: Identifying high performing teams/players.</a:t>
+            </a:r>
+          </a:p>
+          <a:p>
+            <a:pPr marL="742950" lvl="1" indent="-285750">
+              <a:buFont typeface="Arial" panose="020B0604020202020204" pitchFamily="34" charset="0"/>
+              <a:buChar char="•"/>
+            </a:pPr>
+            <a:r>
+              <a:rPr lang="en-US" sz="2400" dirty="0"/>
+              <a:t>Neuroscience: PageRank of neurons correlate to their relative fire rate.</a:t>
+            </a:r>
           </a:p>
         </p:txBody>
       </p:sp>
@@ -29153,13 +26518,13 @@
         <p:spPr/>
         <p:txBody>
           <a:bodyPr>
-            <a:normAutofit fontScale="90000"/>
+            <a:normAutofit/>
           </a:bodyPr>
           <a:lstStyle/>
           <a:p>
             <a:r>
               <a:rPr lang="en-US" i="1" cap="none" dirty="0"/>
-              <a:t>Dataset description and columns that are under scope for our project</a:t>
+              <a:t>Dataset</a:t>
             </a:r>
             <a:br>
               <a:rPr lang="en-US" cap="none" dirty="0"/>
@@ -29213,8 +26578,8 @@
         </p:nvSpPr>
         <p:spPr>
           <a:xfrm>
-            <a:off x="685800" y="1834157"/>
-            <a:ext cx="3714750" cy="923330"/>
+            <a:off x="685799" y="1834157"/>
+            <a:ext cx="10820399" cy="923330"/>
           </a:xfrm>
           <a:prstGeom prst="rect">
             <a:avLst/>
@@ -29229,7 +26594,7 @@
           <a:p>
             <a:r>
               <a:rPr lang="en-US" dirty="0"/>
-              <a:t>Data set can be found at </a:t>
+              <a:t>The dataset includes a series of scrapes of YouTube data from 2007/2008.  It was compiled by researchers at Simon Fraser University. It can be found at </a:t>
             </a:r>
             <a:r>
               <a:rPr lang="en-US" dirty="0">
@@ -29504,7 +26869,7 @@
           <a:p>
             <a:r>
               <a:rPr lang="en-US" i="1" cap="none" dirty="0"/>
-              <a:t>Why Sparks??</a:t>
+              <a:t>Why Spark?</a:t>
             </a:r>
           </a:p>
         </p:txBody>
@@ -29607,34 +26972,6 @@
           </a:p>
         </p:txBody>
       </p:sp>
-      <p:graphicFrame>
-        <p:nvGraphicFramePr>
-          <p:cNvPr id="6" name="Diagram 5">
-            <a:extLst>
-              <a:ext uri="{FF2B5EF4-FFF2-40B4-BE49-F238E27FC236}">
-                <a16:creationId xmlns:a16="http://schemas.microsoft.com/office/drawing/2014/main" id="{F6A297CF-A76C-7545-B5FE-69A9B5F23A57}"/>
-              </a:ext>
-            </a:extLst>
-          </p:cNvPr>
-          <p:cNvGraphicFramePr/>
-          <p:nvPr>
-            <p:extLst>
-              <p:ext uri="{D42A27DB-BD31-4B8C-83A1-F6EECF244321}">
-                <p14:modId xmlns:p14="http://schemas.microsoft.com/office/powerpoint/2010/main" val="2208512490"/>
-              </p:ext>
-            </p:extLst>
-          </p:nvPr>
-        </p:nvGraphicFramePr>
-        <p:xfrm>
-          <a:off x="2032000" y="909447"/>
-          <a:ext cx="8128000" cy="5418667"/>
-        </p:xfrm>
-        <a:graphic>
-          <a:graphicData uri="http://schemas.openxmlformats.org/drawingml/2006/diagram">
-            <dgm:relIds xmlns:dgm="http://schemas.openxmlformats.org/drawingml/2006/diagram" xmlns:r="http://schemas.openxmlformats.org/officeDocument/2006/relationships" r:dm="rId2" r:lo="rId3" r:qs="rId4" r:cs="rId5"/>
-          </a:graphicData>
-        </a:graphic>
-      </p:graphicFrame>
       <p:sp>
         <p:nvSpPr>
           <p:cNvPr id="3" name="TextBox 2">
@@ -29685,6 +27022,217 @@
           </a:p>
         </p:txBody>
       </p:sp>
+      <p:pic>
+        <p:nvPicPr>
+          <p:cNvPr id="1026" name="Picture 2" descr="Image result for python logo">
+            <a:extLst>
+              <a:ext uri="{FF2B5EF4-FFF2-40B4-BE49-F238E27FC236}">
+                <a16:creationId xmlns:a16="http://schemas.microsoft.com/office/drawing/2014/main" id="{9A56141C-11D1-4342-9AC0-93AF3F9FA8A5}"/>
+              </a:ext>
+            </a:extLst>
+          </p:cNvPr>
+          <p:cNvPicPr>
+            <a:picLocks noChangeAspect="1" noChangeArrowheads="1"/>
+          </p:cNvPicPr>
+          <p:nvPr/>
+        </p:nvPicPr>
+        <p:blipFill>
+          <a:blip r:embed="rId2">
+            <a:extLst>
+              <a:ext uri="{28A0092B-C50C-407E-A947-70E740481C1C}">
+                <a14:useLocalDpi xmlns:a14="http://schemas.microsoft.com/office/drawing/2010/main" val="0"/>
+              </a:ext>
+            </a:extLst>
+          </a:blip>
+          <a:srcRect/>
+          <a:stretch>
+            <a:fillRect/>
+          </a:stretch>
+        </p:blipFill>
+        <p:spPr bwMode="auto">
+          <a:xfrm>
+            <a:off x="443975" y="3022739"/>
+            <a:ext cx="1600200" cy="1600200"/>
+          </a:xfrm>
+          <a:prstGeom prst="rect">
+            <a:avLst/>
+          </a:prstGeom>
+          <a:noFill/>
+          <a:extLst>
+            <a:ext uri="{909E8E84-426E-40DD-AFC4-6F175D3DCCD1}">
+              <a14:hiddenFill xmlns:a14="http://schemas.microsoft.com/office/drawing/2010/main">
+                <a:solidFill>
+                  <a:srgbClr val="FFFFFF"/>
+                </a:solidFill>
+              </a14:hiddenFill>
+            </a:ext>
+          </a:extLst>
+        </p:spPr>
+      </p:pic>
+      <p:pic>
+        <p:nvPicPr>
+          <p:cNvPr id="1028" name="Picture 4" descr="Image result for spark logo">
+            <a:extLst>
+              <a:ext uri="{FF2B5EF4-FFF2-40B4-BE49-F238E27FC236}">
+                <a16:creationId xmlns:a16="http://schemas.microsoft.com/office/drawing/2014/main" id="{33A64644-9135-7147-9741-5B60BDD0E133}"/>
+              </a:ext>
+            </a:extLst>
+          </p:cNvPr>
+          <p:cNvPicPr>
+            <a:picLocks noChangeAspect="1" noChangeArrowheads="1"/>
+          </p:cNvPicPr>
+          <p:nvPr/>
+        </p:nvPicPr>
+        <p:blipFill>
+          <a:blip r:embed="rId3">
+            <a:extLst>
+              <a:ext uri="{28A0092B-C50C-407E-A947-70E740481C1C}">
+                <a14:useLocalDpi xmlns:a14="http://schemas.microsoft.com/office/drawing/2010/main" val="0"/>
+              </a:ext>
+            </a:extLst>
+          </a:blip>
+          <a:srcRect/>
+          <a:stretch>
+            <a:fillRect/>
+          </a:stretch>
+        </p:blipFill>
+        <p:spPr bwMode="auto">
+          <a:xfrm>
+            <a:off x="2213445" y="3022739"/>
+            <a:ext cx="3074168" cy="1600200"/>
+          </a:xfrm>
+          <a:prstGeom prst="rect">
+            <a:avLst/>
+          </a:prstGeom>
+          <a:solidFill>
+            <a:schemeClr val="tx1"/>
+          </a:solidFill>
+        </p:spPr>
+      </p:pic>
+      <p:pic>
+        <p:nvPicPr>
+          <p:cNvPr id="1030" name="Picture 6" descr="Image result for pyspark logo">
+            <a:extLst>
+              <a:ext uri="{FF2B5EF4-FFF2-40B4-BE49-F238E27FC236}">
+                <a16:creationId xmlns:a16="http://schemas.microsoft.com/office/drawing/2014/main" id="{B1F3FE7C-E602-6642-A64D-AF74DBA12B4C}"/>
+              </a:ext>
+            </a:extLst>
+          </p:cNvPr>
+          <p:cNvPicPr>
+            <a:picLocks noChangeAspect="1" noChangeArrowheads="1"/>
+          </p:cNvPicPr>
+          <p:nvPr/>
+        </p:nvPicPr>
+        <p:blipFill>
+          <a:blip r:embed="rId4">
+            <a:extLst>
+              <a:ext uri="{28A0092B-C50C-407E-A947-70E740481C1C}">
+                <a14:useLocalDpi xmlns:a14="http://schemas.microsoft.com/office/drawing/2010/main" val="0"/>
+              </a:ext>
+            </a:extLst>
+          </a:blip>
+          <a:srcRect/>
+          <a:stretch>
+            <a:fillRect/>
+          </a:stretch>
+        </p:blipFill>
+        <p:spPr bwMode="auto">
+          <a:xfrm>
+            <a:off x="5698348" y="3022739"/>
+            <a:ext cx="2840262" cy="1600200"/>
+          </a:xfrm>
+          <a:prstGeom prst="rect">
+            <a:avLst/>
+          </a:prstGeom>
+          <a:noFill/>
+          <a:extLst>
+            <a:ext uri="{909E8E84-426E-40DD-AFC4-6F175D3DCCD1}">
+              <a14:hiddenFill xmlns:a14="http://schemas.microsoft.com/office/drawing/2010/main">
+                <a:solidFill>
+                  <a:srgbClr val="FFFFFF"/>
+                </a:solidFill>
+              </a14:hiddenFill>
+            </a:ext>
+          </a:extLst>
+        </p:spPr>
+      </p:pic>
+      <p:pic>
+        <p:nvPicPr>
+          <p:cNvPr id="4" name="Picture 3">
+            <a:extLst>
+              <a:ext uri="{FF2B5EF4-FFF2-40B4-BE49-F238E27FC236}">
+                <a16:creationId xmlns:a16="http://schemas.microsoft.com/office/drawing/2014/main" id="{81820D8F-D581-7C49-B19F-904D5C8E7ADA}"/>
+              </a:ext>
+            </a:extLst>
+          </p:cNvPr>
+          <p:cNvPicPr>
+            <a:picLocks noChangeAspect="1"/>
+          </p:cNvPicPr>
+          <p:nvPr/>
+        </p:nvPicPr>
+        <p:blipFill>
+          <a:blip r:embed="rId5"/>
+          <a:stretch>
+            <a:fillRect/>
+          </a:stretch>
+        </p:blipFill>
+        <p:spPr>
+          <a:xfrm>
+            <a:off x="8949345" y="3022739"/>
+            <a:ext cx="1376396" cy="1600200"/>
+          </a:xfrm>
+          <a:prstGeom prst="rect">
+            <a:avLst/>
+          </a:prstGeom>
+        </p:spPr>
+      </p:pic>
+      <p:pic>
+        <p:nvPicPr>
+          <p:cNvPr id="1032" name="Picture 8" descr="Image result for java logo">
+            <a:extLst>
+              <a:ext uri="{FF2B5EF4-FFF2-40B4-BE49-F238E27FC236}">
+                <a16:creationId xmlns:a16="http://schemas.microsoft.com/office/drawing/2014/main" id="{B01D159C-4CB3-B246-9A16-D05C31C75514}"/>
+              </a:ext>
+            </a:extLst>
+          </p:cNvPr>
+          <p:cNvPicPr>
+            <a:picLocks noChangeAspect="1" noChangeArrowheads="1"/>
+          </p:cNvPicPr>
+          <p:nvPr/>
+        </p:nvPicPr>
+        <p:blipFill>
+          <a:blip r:embed="rId6">
+            <a:extLst>
+              <a:ext uri="{28A0092B-C50C-407E-A947-70E740481C1C}">
+                <a14:useLocalDpi xmlns:a14="http://schemas.microsoft.com/office/drawing/2010/main" val="0"/>
+              </a:ext>
+            </a:extLst>
+          </a:blip>
+          <a:srcRect/>
+          <a:stretch>
+            <a:fillRect/>
+          </a:stretch>
+        </p:blipFill>
+        <p:spPr bwMode="auto">
+          <a:xfrm>
+            <a:off x="10736476" y="2971939"/>
+            <a:ext cx="876212" cy="1600200"/>
+          </a:xfrm>
+          <a:prstGeom prst="rect">
+            <a:avLst/>
+          </a:prstGeom>
+          <a:noFill/>
+          <a:extLst>
+            <a:ext uri="{909E8E84-426E-40DD-AFC4-6F175D3DCCD1}">
+              <a14:hiddenFill xmlns:a14="http://schemas.microsoft.com/office/drawing/2010/main">
+                <a:solidFill>
+                  <a:srgbClr val="FFFFFF"/>
+                </a:solidFill>
+              </a14:hiddenFill>
+            </a:ext>
+          </a:extLst>
+        </p:spPr>
+      </p:pic>
     </p:spTree>
     <p:extLst>
       <p:ext uri="{BB962C8B-B14F-4D97-AF65-F5344CB8AC3E}">
@@ -29765,7 +27313,7 @@
         <p:spPr>
           <a:xfrm>
             <a:off x="685801" y="1643063"/>
-            <a:ext cx="9844087" cy="1908215"/>
+            <a:ext cx="9844087" cy="1938992"/>
           </a:xfrm>
           <a:prstGeom prst="rect">
             <a:avLst/>
@@ -29784,13 +27332,7 @@
             </a:pPr>
             <a:r>
               <a:rPr lang="en-US" sz="2000" dirty="0"/>
-              <a:t>Determining MapReduce workflow using Sparks as the team is new to Big data tools</a:t>
-            </a:r>
-          </a:p>
-          <a:p>
-            <a:r>
-              <a:rPr lang="en-US" sz="2000" dirty="0"/>
-              <a:t> </a:t>
+              <a:t>Develop MapReduce workflow for PageRank algorithm.</a:t>
             </a:r>
           </a:p>
           <a:p>
@@ -29798,12 +27340,6 @@
               <a:buFont typeface="Arial" panose="020B0604020202020204" pitchFamily="34" charset="0"/>
               <a:buChar char="•"/>
             </a:pPr>
-            <a:r>
-              <a:rPr lang="en-US" sz="2000" dirty="0"/>
-              <a:t>Distributing Huge data set over clusters using HDFS</a:t>
-            </a:r>
-          </a:p>
-          <a:p>
             <a:endParaRPr lang="en-US" sz="2000" dirty="0"/>
           </a:p>
           <a:p>
@@ -29813,11 +27349,28 @@
             </a:pPr>
             <a:r>
               <a:rPr lang="en-US" sz="2000" dirty="0"/>
-              <a:t>Availability of commodity computer clusters</a:t>
+              <a:t>Learning to navigate/populate an HDFS cluster.</a:t>
             </a:r>
           </a:p>
           <a:p>
-            <a:endParaRPr lang="en-US" dirty="0"/>
+            <a:pPr marL="342900" indent="-342900">
+              <a:buFont typeface="Arial" panose="020B0604020202020204" pitchFamily="34" charset="0"/>
+              <a:buChar char="•"/>
+            </a:pPr>
+            <a:endParaRPr lang="en-US" sz="2000" dirty="0"/>
+          </a:p>
+          <a:p>
+            <a:pPr marL="342900" indent="-342900">
+              <a:buFont typeface="Arial" panose="020B0604020202020204" pitchFamily="34" charset="0"/>
+              <a:buChar char="•"/>
+            </a:pPr>
+            <a:r>
+              <a:rPr lang="en-US" sz="2000" dirty="0"/>
+              <a:t>Utilizing Amazon EMR to distribute processing.</a:t>
+            </a:r>
+          </a:p>
+          <a:p>
+            <a:endParaRPr lang="en-US" sz="2000" dirty="0"/>
           </a:p>
         </p:txBody>
       </p:sp>
